--- a/Team_73.pptx
+++ b/Team_73.pptx
@@ -71,13 +71,13 @@
         </a:solidFill>
         <a:effectLst/>
         <a:uFillTx/>
-        <a:latin typeface="Garamond"/>
-        <a:ea typeface="Garamond"/>
-        <a:cs typeface="Garamond"/>
-        <a:sym typeface="Garamond"/>
+        <a:latin typeface="+mj-lt"/>
+        <a:ea typeface="+mj-ea"/>
+        <a:cs typeface="+mj-cs"/>
+        <a:sym typeface="Helvetica"/>
       </a:defRPr>
     </a:lvl1pPr>
-    <a:lvl2pPr marL="0" marR="0" indent="457200" algn="l" defTabSz="457200" rtl="0" fontAlgn="auto" latinLnBrk="0" hangingPunct="0">
+    <a:lvl2pPr marL="0" marR="0" indent="0" algn="l" defTabSz="457200" rtl="0" fontAlgn="auto" latinLnBrk="0" hangingPunct="0">
       <a:lnSpc>
         <a:spcPct val="100000"/>
       </a:lnSpc>
@@ -101,13 +101,13 @@
         </a:solidFill>
         <a:effectLst/>
         <a:uFillTx/>
-        <a:latin typeface="Garamond"/>
-        <a:ea typeface="Garamond"/>
-        <a:cs typeface="Garamond"/>
-        <a:sym typeface="Garamond"/>
+        <a:latin typeface="+mj-lt"/>
+        <a:ea typeface="+mj-ea"/>
+        <a:cs typeface="+mj-cs"/>
+        <a:sym typeface="Helvetica"/>
       </a:defRPr>
     </a:lvl2pPr>
-    <a:lvl3pPr marL="0" marR="0" indent="914400" algn="l" defTabSz="457200" rtl="0" fontAlgn="auto" latinLnBrk="0" hangingPunct="0">
+    <a:lvl3pPr marL="0" marR="0" indent="0" algn="l" defTabSz="457200" rtl="0" fontAlgn="auto" latinLnBrk="0" hangingPunct="0">
       <a:lnSpc>
         <a:spcPct val="100000"/>
       </a:lnSpc>
@@ -131,13 +131,13 @@
         </a:solidFill>
         <a:effectLst/>
         <a:uFillTx/>
-        <a:latin typeface="Garamond"/>
-        <a:ea typeface="Garamond"/>
-        <a:cs typeface="Garamond"/>
-        <a:sym typeface="Garamond"/>
+        <a:latin typeface="+mj-lt"/>
+        <a:ea typeface="+mj-ea"/>
+        <a:cs typeface="+mj-cs"/>
+        <a:sym typeface="Helvetica"/>
       </a:defRPr>
     </a:lvl3pPr>
-    <a:lvl4pPr marL="0" marR="0" indent="1371600" algn="l" defTabSz="457200" rtl="0" fontAlgn="auto" latinLnBrk="0" hangingPunct="0">
+    <a:lvl4pPr marL="0" marR="0" indent="0" algn="l" defTabSz="457200" rtl="0" fontAlgn="auto" latinLnBrk="0" hangingPunct="0">
       <a:lnSpc>
         <a:spcPct val="100000"/>
       </a:lnSpc>
@@ -161,13 +161,13 @@
         </a:solidFill>
         <a:effectLst/>
         <a:uFillTx/>
-        <a:latin typeface="Garamond"/>
-        <a:ea typeface="Garamond"/>
-        <a:cs typeface="Garamond"/>
-        <a:sym typeface="Garamond"/>
+        <a:latin typeface="+mj-lt"/>
+        <a:ea typeface="+mj-ea"/>
+        <a:cs typeface="+mj-cs"/>
+        <a:sym typeface="Helvetica"/>
       </a:defRPr>
     </a:lvl4pPr>
-    <a:lvl5pPr marL="0" marR="0" indent="1828800" algn="l" defTabSz="457200" rtl="0" fontAlgn="auto" latinLnBrk="0" hangingPunct="0">
+    <a:lvl5pPr marL="0" marR="0" indent="0" algn="l" defTabSz="457200" rtl="0" fontAlgn="auto" latinLnBrk="0" hangingPunct="0">
       <a:lnSpc>
         <a:spcPct val="100000"/>
       </a:lnSpc>
@@ -191,13 +191,13 @@
         </a:solidFill>
         <a:effectLst/>
         <a:uFillTx/>
-        <a:latin typeface="Garamond"/>
-        <a:ea typeface="Garamond"/>
-        <a:cs typeface="Garamond"/>
-        <a:sym typeface="Garamond"/>
+        <a:latin typeface="+mj-lt"/>
+        <a:ea typeface="+mj-ea"/>
+        <a:cs typeface="+mj-cs"/>
+        <a:sym typeface="Helvetica"/>
       </a:defRPr>
     </a:lvl5pPr>
-    <a:lvl6pPr marL="0" marR="0" indent="2286000" algn="l" defTabSz="457200" rtl="0" fontAlgn="auto" latinLnBrk="0" hangingPunct="0">
+    <a:lvl6pPr marL="0" marR="0" indent="0" algn="l" defTabSz="457200" rtl="0" fontAlgn="auto" latinLnBrk="0" hangingPunct="0">
       <a:lnSpc>
         <a:spcPct val="100000"/>
       </a:lnSpc>
@@ -221,13 +221,13 @@
         </a:solidFill>
         <a:effectLst/>
         <a:uFillTx/>
-        <a:latin typeface="Garamond"/>
-        <a:ea typeface="Garamond"/>
-        <a:cs typeface="Garamond"/>
-        <a:sym typeface="Garamond"/>
+        <a:latin typeface="+mj-lt"/>
+        <a:ea typeface="+mj-ea"/>
+        <a:cs typeface="+mj-cs"/>
+        <a:sym typeface="Helvetica"/>
       </a:defRPr>
     </a:lvl6pPr>
-    <a:lvl7pPr marL="0" marR="0" indent="2743200" algn="l" defTabSz="457200" rtl="0" fontAlgn="auto" latinLnBrk="0" hangingPunct="0">
+    <a:lvl7pPr marL="0" marR="0" indent="0" algn="l" defTabSz="457200" rtl="0" fontAlgn="auto" latinLnBrk="0" hangingPunct="0">
       <a:lnSpc>
         <a:spcPct val="100000"/>
       </a:lnSpc>
@@ -251,13 +251,13 @@
         </a:solidFill>
         <a:effectLst/>
         <a:uFillTx/>
-        <a:latin typeface="Garamond"/>
-        <a:ea typeface="Garamond"/>
-        <a:cs typeface="Garamond"/>
-        <a:sym typeface="Garamond"/>
+        <a:latin typeface="+mj-lt"/>
+        <a:ea typeface="+mj-ea"/>
+        <a:cs typeface="+mj-cs"/>
+        <a:sym typeface="Helvetica"/>
       </a:defRPr>
     </a:lvl7pPr>
-    <a:lvl8pPr marL="0" marR="0" indent="3200400" algn="l" defTabSz="457200" rtl="0" fontAlgn="auto" latinLnBrk="0" hangingPunct="0">
+    <a:lvl8pPr marL="0" marR="0" indent="0" algn="l" defTabSz="457200" rtl="0" fontAlgn="auto" latinLnBrk="0" hangingPunct="0">
       <a:lnSpc>
         <a:spcPct val="100000"/>
       </a:lnSpc>
@@ -281,13 +281,13 @@
         </a:solidFill>
         <a:effectLst/>
         <a:uFillTx/>
-        <a:latin typeface="Garamond"/>
-        <a:ea typeface="Garamond"/>
-        <a:cs typeface="Garamond"/>
-        <a:sym typeface="Garamond"/>
+        <a:latin typeface="+mj-lt"/>
+        <a:ea typeface="+mj-ea"/>
+        <a:cs typeface="+mj-cs"/>
+        <a:sym typeface="Helvetica"/>
       </a:defRPr>
     </a:lvl8pPr>
-    <a:lvl9pPr marL="0" marR="0" indent="3657600" algn="l" defTabSz="457200" rtl="0" fontAlgn="auto" latinLnBrk="0" hangingPunct="0">
+    <a:lvl9pPr marL="0" marR="0" indent="0" algn="l" defTabSz="457200" rtl="0" fontAlgn="auto" latinLnBrk="0" hangingPunct="0">
       <a:lnSpc>
         <a:spcPct val="100000"/>
       </a:lnSpc>
@@ -311,10 +311,10 @@
         </a:solidFill>
         <a:effectLst/>
         <a:uFillTx/>
-        <a:latin typeface="Garamond"/>
-        <a:ea typeface="Garamond"/>
-        <a:cs typeface="Garamond"/>
-        <a:sym typeface="Garamond"/>
+        <a:latin typeface="+mj-lt"/>
+        <a:ea typeface="+mj-ea"/>
+        <a:cs typeface="+mj-cs"/>
+        <a:sym typeface="Helvetica"/>
       </a:defRPr>
     </a:lvl9pPr>
   </p:defaultTextStyle>
@@ -344,7 +344,7 @@
       </p:grpSpPr>
       <p:sp>
         <p:nvSpPr>
-          <p:cNvPr id="174" name="Shape 174"/>
+          <p:cNvPr id="221" name="Shape 221"/>
           <p:cNvSpPr/>
           <p:nvPr>
             <p:ph type="sldImg"/>
@@ -369,7 +369,7 @@
       </p:sp>
       <p:sp>
         <p:nvSpPr>
-          <p:cNvPr id="175" name="Shape 175"/>
+          <p:cNvPr id="222" name="Shape 222"/>
           <p:cNvSpPr/>
           <p:nvPr>
             <p:ph type="body" sz="quarter" idx="1"/>
@@ -398,73 +398,73 @@
   <p:notesStyle>
     <a:lvl1pPr latinLnBrk="0">
       <a:defRPr sz="1200">
-        <a:latin typeface="+mj-lt"/>
-        <a:ea typeface="+mj-ea"/>
-        <a:cs typeface="+mj-cs"/>
+        <a:latin typeface="+mn-lt"/>
+        <a:ea typeface="+mn-ea"/>
+        <a:cs typeface="+mn-cs"/>
         <a:sym typeface="Calibri"/>
       </a:defRPr>
     </a:lvl1pPr>
     <a:lvl2pPr indent="228600" latinLnBrk="0">
       <a:defRPr sz="1200">
-        <a:latin typeface="+mj-lt"/>
-        <a:ea typeface="+mj-ea"/>
-        <a:cs typeface="+mj-cs"/>
+        <a:latin typeface="+mn-lt"/>
+        <a:ea typeface="+mn-ea"/>
+        <a:cs typeface="+mn-cs"/>
         <a:sym typeface="Calibri"/>
       </a:defRPr>
     </a:lvl2pPr>
     <a:lvl3pPr indent="457200" latinLnBrk="0">
       <a:defRPr sz="1200">
-        <a:latin typeface="+mj-lt"/>
-        <a:ea typeface="+mj-ea"/>
-        <a:cs typeface="+mj-cs"/>
+        <a:latin typeface="+mn-lt"/>
+        <a:ea typeface="+mn-ea"/>
+        <a:cs typeface="+mn-cs"/>
         <a:sym typeface="Calibri"/>
       </a:defRPr>
     </a:lvl3pPr>
     <a:lvl4pPr indent="685800" latinLnBrk="0">
       <a:defRPr sz="1200">
-        <a:latin typeface="+mj-lt"/>
-        <a:ea typeface="+mj-ea"/>
-        <a:cs typeface="+mj-cs"/>
+        <a:latin typeface="+mn-lt"/>
+        <a:ea typeface="+mn-ea"/>
+        <a:cs typeface="+mn-cs"/>
         <a:sym typeface="Calibri"/>
       </a:defRPr>
     </a:lvl4pPr>
     <a:lvl5pPr indent="914400" latinLnBrk="0">
       <a:defRPr sz="1200">
-        <a:latin typeface="+mj-lt"/>
-        <a:ea typeface="+mj-ea"/>
-        <a:cs typeface="+mj-cs"/>
+        <a:latin typeface="+mn-lt"/>
+        <a:ea typeface="+mn-ea"/>
+        <a:cs typeface="+mn-cs"/>
         <a:sym typeface="Calibri"/>
       </a:defRPr>
     </a:lvl5pPr>
     <a:lvl6pPr indent="1143000" latinLnBrk="0">
       <a:defRPr sz="1200">
-        <a:latin typeface="+mj-lt"/>
-        <a:ea typeface="+mj-ea"/>
-        <a:cs typeface="+mj-cs"/>
+        <a:latin typeface="+mn-lt"/>
+        <a:ea typeface="+mn-ea"/>
+        <a:cs typeface="+mn-cs"/>
         <a:sym typeface="Calibri"/>
       </a:defRPr>
     </a:lvl6pPr>
     <a:lvl7pPr indent="1371600" latinLnBrk="0">
       <a:defRPr sz="1200">
-        <a:latin typeface="+mj-lt"/>
-        <a:ea typeface="+mj-ea"/>
-        <a:cs typeface="+mj-cs"/>
+        <a:latin typeface="+mn-lt"/>
+        <a:ea typeface="+mn-ea"/>
+        <a:cs typeface="+mn-cs"/>
         <a:sym typeface="Calibri"/>
       </a:defRPr>
     </a:lvl7pPr>
     <a:lvl8pPr indent="1600200" latinLnBrk="0">
       <a:defRPr sz="1200">
-        <a:latin typeface="+mj-lt"/>
-        <a:ea typeface="+mj-ea"/>
-        <a:cs typeface="+mj-cs"/>
+        <a:latin typeface="+mn-lt"/>
+        <a:ea typeface="+mn-ea"/>
+        <a:cs typeface="+mn-cs"/>
         <a:sym typeface="Calibri"/>
       </a:defRPr>
     </a:lvl8pPr>
     <a:lvl9pPr indent="1828800" latinLnBrk="0">
       <a:defRPr sz="1200">
-        <a:latin typeface="+mj-lt"/>
-        <a:ea typeface="+mj-ea"/>
-        <a:cs typeface="+mj-cs"/>
+        <a:latin typeface="+mn-lt"/>
+        <a:ea typeface="+mn-ea"/>
+        <a:cs typeface="+mn-cs"/>
         <a:sym typeface="Calibri"/>
       </a:defRPr>
     </a:lvl9pPr>
@@ -491,21 +491,21 @@
       </p:grpSpPr>
       <p:grpSp>
         <p:nvGrpSpPr>
-          <p:cNvPr id="20" name="Group 6"/>
+          <p:cNvPr id="21" name="Group 6"/>
           <p:cNvGrpSpPr/>
           <p:nvPr/>
         </p:nvGrpSpPr>
         <p:grpSpPr>
           <a:xfrm>
-            <a:off x="-16935" y="0"/>
-            <a:ext cx="12231161" cy="6856215"/>
-            <a:chOff x="0" y="0"/>
-            <a:chExt cx="12231160" cy="6856214"/>
+            <a:off x="-16937" y="0"/>
+            <a:ext cx="12231164" cy="6856216"/>
+            <a:chOff x="-1" y="0"/>
+            <a:chExt cx="12231162" cy="6856215"/>
           </a:xfrm>
         </p:grpSpPr>
         <p:pic>
           <p:nvPicPr>
-            <p:cNvPr id="16" name="Picture 15" descr="Picture 15"/>
+            <p:cNvPr id="17" name="Picture 15" descr="Picture 15"/>
             <p:cNvPicPr>
               <a:picLocks noChangeAspect="1"/>
             </p:cNvPicPr>
@@ -521,8 +521,8 @@
           </p:blipFill>
           <p:spPr>
             <a:xfrm>
-              <a:off x="16933" y="0"/>
-              <a:ext cx="12188826" cy="6856215"/>
+              <a:off x="16932" y="0"/>
+              <a:ext cx="12188829" cy="6856216"/>
             </a:xfrm>
             <a:prstGeom prst="rect">
               <a:avLst/>
@@ -536,14 +536,14 @@
         </p:pic>
         <p:sp>
           <p:nvSpPr>
-            <p:cNvPr id="17" name="Rectangle 25"/>
+            <p:cNvPr id="18" name="Rectangle 25"/>
             <p:cNvSpPr/>
             <p:nvPr/>
           </p:nvSpPr>
           <p:spPr>
             <a:xfrm>
               <a:off x="2345265" y="1540930"/>
-              <a:ext cx="7543803" cy="3835403"/>
+              <a:ext cx="7543805" cy="3835404"/>
             </a:xfrm>
             <a:prstGeom prst="rect">
               <a:avLst/>
@@ -559,18 +559,25 @@
             <a:effectLst/>
           </p:spPr>
           <p:txBody>
-            <a:bodyPr wrap="square" lIns="45719" tIns="45719" rIns="45719" bIns="45719" numCol="1" anchor="t">
+            <a:bodyPr wrap="square" lIns="45718" tIns="45718" rIns="45718" bIns="45718" numCol="1" anchor="t">
               <a:noAutofit/>
             </a:bodyPr>
             <a:lstStyle/>
             <a:p>
-              <a:pPr/>
+              <a:pPr>
+                <a:defRPr>
+                  <a:latin typeface="Garamond"/>
+                  <a:ea typeface="Garamond"/>
+                  <a:cs typeface="Garamond"/>
+                  <a:sym typeface="Garamond"/>
+                </a:defRPr>
+              </a:pPr>
             </a:p>
           </p:txBody>
         </p:sp>
         <p:pic>
           <p:nvPicPr>
-            <p:cNvPr id="18" name="Picture 16" descr="Picture 16"/>
+            <p:cNvPr id="19" name="Picture 16" descr="Picture 16"/>
             <p:cNvPicPr>
               <a:picLocks noChangeAspect="1"/>
             </p:cNvPicPr>
@@ -586,8 +593,8 @@
           </p:blipFill>
           <p:spPr>
             <a:xfrm>
-              <a:off x="-1" y="3147609"/>
-              <a:ext cx="2478025" cy="612649"/>
+              <a:off x="-2" y="3147609"/>
+              <a:ext cx="2478027" cy="612650"/>
             </a:xfrm>
             <a:prstGeom prst="rect">
               <a:avLst/>
@@ -601,7 +608,7 @@
         </p:pic>
         <p:pic>
           <p:nvPicPr>
-            <p:cNvPr id="19" name="Picture 19" descr="Picture 19"/>
+            <p:cNvPr id="20" name="Picture 19" descr="Picture 19"/>
             <p:cNvPicPr>
               <a:picLocks noChangeAspect="1"/>
             </p:cNvPicPr>
@@ -618,7 +625,7 @@
           <p:spPr>
             <a:xfrm>
               <a:off x="9753135" y="3147609"/>
-              <a:ext cx="2478025" cy="612649"/>
+              <a:ext cx="2478027" cy="612650"/>
             </a:xfrm>
             <a:prstGeom prst="rect">
               <a:avLst/>
@@ -633,7 +640,7 @@
       </p:grpSp>
       <p:sp>
         <p:nvSpPr>
-          <p:cNvPr id="21" name="Title Text"/>
+          <p:cNvPr id="22" name="Title Text"/>
           <p:cNvSpPr txBox="1"/>
           <p:nvPr>
             <p:ph type="title"/>
@@ -641,8 +648,8 @@
         </p:nvSpPr>
         <p:spPr>
           <a:xfrm>
-            <a:off x="2692398" y="1871130"/>
-            <a:ext cx="6815670" cy="1515534"/>
+            <a:off x="2692398" y="1871129"/>
+            <a:ext cx="6815671" cy="1515536"/>
           </a:xfrm>
           <a:prstGeom prst="rect">
             <a:avLst/>
@@ -665,7 +672,7 @@
       </p:sp>
       <p:sp>
         <p:nvSpPr>
-          <p:cNvPr id="22" name="Body Level One…"/>
+          <p:cNvPr id="23" name="Body Level One…"/>
           <p:cNvSpPr txBox="1"/>
           <p:nvPr>
             <p:ph type="body" sz="quarter" idx="1"/>
@@ -674,7 +681,7 @@
         <p:spPr>
           <a:xfrm>
             <a:off x="2692398" y="3657596"/>
-            <a:ext cx="6815670" cy="1320803"/>
+            <a:ext cx="6815671" cy="1320804"/>
           </a:xfrm>
           <a:prstGeom prst="rect">
             <a:avLst/>
@@ -694,7 +701,7 @@
                 </a:solidFill>
               </a:defRPr>
             </a:lvl1pPr>
-            <a:lvl2pPr marL="0" indent="457200" algn="ctr">
+            <a:lvl2pPr marL="0" indent="0" algn="ctr">
               <a:buClrTx/>
               <a:buSzTx/>
               <a:buFontTx/>
@@ -705,7 +712,7 @@
                 </a:solidFill>
               </a:defRPr>
             </a:lvl2pPr>
-            <a:lvl3pPr marL="0" indent="914400" algn="ctr">
+            <a:lvl3pPr marL="0" indent="0" algn="ctr">
               <a:buClrTx/>
               <a:buSzTx/>
               <a:buFontTx/>
@@ -716,7 +723,7 @@
                 </a:solidFill>
               </a:defRPr>
             </a:lvl3pPr>
-            <a:lvl4pPr marL="0" indent="1371600" algn="ctr">
+            <a:lvl4pPr marL="0" indent="0" algn="ctr">
               <a:buClrTx/>
               <a:buSzTx/>
               <a:buFontTx/>
@@ -727,7 +734,7 @@
                 </a:solidFill>
               </a:defRPr>
             </a:lvl4pPr>
-            <a:lvl5pPr marL="0" indent="1828800" algn="ctr">
+            <a:lvl5pPr marL="0" indent="0" algn="ctr">
               <a:buClrTx/>
               <a:buSzTx/>
               <a:buFontTx/>
@@ -773,14 +780,14 @@
       </p:sp>
       <p:sp>
         <p:nvSpPr>
-          <p:cNvPr id="23" name="Straight Connector 14"/>
+          <p:cNvPr id="24" name="Straight Connector 14"/>
           <p:cNvSpPr/>
           <p:nvPr/>
         </p:nvSpPr>
         <p:spPr>
           <a:xfrm>
             <a:off x="2692399" y="3522131"/>
-            <a:ext cx="6815667" cy="1"/>
+            <a:ext cx="6815668" cy="2"/>
           </a:xfrm>
           <a:prstGeom prst="line">
             <a:avLst/>
@@ -792,7 +799,7 @@
           </a:ln>
         </p:spPr>
         <p:txBody>
-          <a:bodyPr lIns="45719" rIns="45719"/>
+          <a:bodyPr lIns="45718" tIns="45718" rIns="45718" bIns="45718"/>
           <a:lstStyle/>
           <a:p>
             <a:pPr/>
@@ -801,7 +808,7 @@
       </p:sp>
       <p:sp>
         <p:nvSpPr>
-          <p:cNvPr id="24" name="Slide Number"/>
+          <p:cNvPr id="25" name="Slide Number"/>
           <p:cNvSpPr txBox="1"/>
           <p:nvPr>
             <p:ph type="sldNum" sz="quarter" idx="2"/>
@@ -809,8 +816,8 @@
         </p:nvSpPr>
         <p:spPr>
           <a:xfrm>
-            <a:off x="9284864" y="5055443"/>
-            <a:ext cx="223203" cy="243841"/>
+            <a:off x="9284866" y="5055444"/>
+            <a:ext cx="223202" cy="243839"/>
           </a:xfrm>
           <a:prstGeom prst="rect">
             <a:avLst/>
@@ -835,7 +842,7 @@
 </file>
 
 <file path=ppt/slideLayouts/slideLayout10.xml><?xml version="1.0" encoding="utf-8"?>
-<p:sldLayout xmlns:a="http://schemas.openxmlformats.org/drawingml/2006/main" xmlns:r="http://schemas.openxmlformats.org/officeDocument/2006/relationships" xmlns:p="http://schemas.openxmlformats.org/presentationml/2006/main" xmlns:m="http://schemas.openxmlformats.org/officeDocument/2006/math" xmlns:a14="http://schemas.microsoft.com/office/drawing/2010/main" type="tx" showMasterSp="1" showMasterPhAnim="1">
+<p:sldLayout xmlns:a="http://schemas.openxmlformats.org/drawingml/2006/main" xmlns:r="http://schemas.openxmlformats.org/officeDocument/2006/relationships" xmlns:p="http://schemas.openxmlformats.org/presentationml/2006/main" xmlns:m="http://schemas.openxmlformats.org/officeDocument/2006/math" xmlns:a14="http://schemas.microsoft.com/office/drawing/2010/main" type="tx" showMasterSp="0" showMasterPhAnim="1">
   <p:cSld name="Panoramic Picture with Caption">
     <p:spTree>
       <p:nvGrpSpPr>
@@ -851,9 +858,158 @@
           <a:chExt cx="0" cy="0"/>
         </a:xfrm>
       </p:grpSpPr>
+      <p:grpSp>
+        <p:nvGrpSpPr>
+          <p:cNvPr id="130" name="Group 6"/>
+          <p:cNvGrpSpPr/>
+          <p:nvPr/>
+        </p:nvGrpSpPr>
+        <p:grpSpPr>
+          <a:xfrm>
+            <a:off x="-15738" y="0"/>
+            <a:ext cx="12229965" cy="6856216"/>
+            <a:chOff x="0" y="0"/>
+            <a:chExt cx="12229964" cy="6856215"/>
+          </a:xfrm>
+        </p:grpSpPr>
+        <p:pic>
+          <p:nvPicPr>
+            <p:cNvPr id="126" name="Picture 7" descr="Picture 7"/>
+            <p:cNvPicPr>
+              <a:picLocks noChangeAspect="1"/>
+            </p:cNvPicPr>
+            <p:nvPr/>
+          </p:nvPicPr>
+          <p:blipFill>
+            <a:blip r:embed="rId2">
+              <a:extLst/>
+            </a:blip>
+            <a:stretch>
+              <a:fillRect/>
+            </a:stretch>
+          </p:blipFill>
+          <p:spPr>
+            <a:xfrm>
+              <a:off x="15736" y="0"/>
+              <a:ext cx="12188828" cy="6856216"/>
+            </a:xfrm>
+            <a:prstGeom prst="rect">
+              <a:avLst/>
+            </a:prstGeom>
+            <a:ln w="12700" cap="flat">
+              <a:noFill/>
+              <a:miter lim="400000"/>
+            </a:ln>
+            <a:effectLst/>
+          </p:spPr>
+        </p:pic>
+        <p:sp>
+          <p:nvSpPr>
+            <p:cNvPr id="127" name="Rectangle 8"/>
+            <p:cNvSpPr/>
+            <p:nvPr/>
+          </p:nvSpPr>
+          <p:spPr>
+            <a:xfrm>
+              <a:off x="623748" y="609600"/>
+              <a:ext cx="10972803" cy="5638802"/>
+            </a:xfrm>
+            <a:prstGeom prst="rect">
+              <a:avLst/>
+            </a:prstGeom>
+            <a:noFill/>
+            <a:ln w="15875" cap="flat">
+              <a:solidFill>
+                <a:schemeClr val="accent1"/>
+              </a:solidFill>
+              <a:prstDash val="solid"/>
+              <a:miter lim="800000"/>
+            </a:ln>
+            <a:effectLst/>
+          </p:spPr>
+          <p:txBody>
+            <a:bodyPr wrap="square" lIns="45718" tIns="45718" rIns="45718" bIns="45718" numCol="1" anchor="t">
+              <a:noAutofit/>
+            </a:bodyPr>
+            <a:lstStyle/>
+            <a:p>
+              <a:pPr>
+                <a:defRPr>
+                  <a:latin typeface="Garamond"/>
+                  <a:ea typeface="Garamond"/>
+                  <a:cs typeface="Garamond"/>
+                  <a:sym typeface="Garamond"/>
+                </a:defRPr>
+              </a:pPr>
+            </a:p>
+          </p:txBody>
+        </p:sp>
+        <p:pic>
+          <p:nvPicPr>
+            <p:cNvPr id="128" name="Picture 9" descr="Picture 9"/>
+            <p:cNvPicPr>
+              <a:picLocks noChangeAspect="1"/>
+            </p:cNvPicPr>
+            <p:nvPr/>
+          </p:nvPicPr>
+          <p:blipFill>
+            <a:blip r:embed="rId3">
+              <a:extLst/>
+            </a:blip>
+            <a:stretch>
+              <a:fillRect/>
+            </a:stretch>
+          </p:blipFill>
+          <p:spPr>
+            <a:xfrm>
+              <a:off x="-1" y="3153832"/>
+              <a:ext cx="777242" cy="606427"/>
+            </a:xfrm>
+            <a:prstGeom prst="rect">
+              <a:avLst/>
+            </a:prstGeom>
+            <a:ln w="12700" cap="flat">
+              <a:noFill/>
+              <a:miter lim="400000"/>
+            </a:ln>
+            <a:effectLst/>
+          </p:spPr>
+        </p:pic>
+        <p:pic>
+          <p:nvPicPr>
+            <p:cNvPr id="129" name="Picture 10" descr="Picture 10"/>
+            <p:cNvPicPr>
+              <a:picLocks noChangeAspect="1"/>
+            </p:cNvPicPr>
+            <p:nvPr/>
+          </p:nvPicPr>
+          <p:blipFill>
+            <a:blip r:embed="rId3">
+              <a:extLst/>
+            </a:blip>
+            <a:stretch>
+              <a:fillRect/>
+            </a:stretch>
+          </p:blipFill>
+          <p:spPr>
+            <a:xfrm>
+              <a:off x="11452722" y="3153832"/>
+              <a:ext cx="777242" cy="606427"/>
+            </a:xfrm>
+            <a:prstGeom prst="rect">
+              <a:avLst/>
+            </a:prstGeom>
+            <a:ln w="12700" cap="flat">
+              <a:noFill/>
+              <a:miter lim="400000"/>
+            </a:ln>
+            <a:effectLst/>
+          </p:spPr>
+        </p:pic>
+      </p:grpSp>
       <p:sp>
         <p:nvSpPr>
-          <p:cNvPr id="109" name="Title Text"/>
+          <p:cNvPr id="131" name="Title Text"/>
           <p:cNvSpPr txBox="1"/>
           <p:nvPr>
             <p:ph type="title"/>
@@ -861,8 +1017,8 @@
         </p:nvSpPr>
         <p:spPr>
           <a:xfrm>
-            <a:off x="1295400" y="4815414"/>
-            <a:ext cx="9609668" cy="566739"/>
+            <a:off x="1295400" y="4815413"/>
+            <a:ext cx="9609668" cy="566740"/>
           </a:xfrm>
           <a:prstGeom prst="rect">
             <a:avLst/>
@@ -885,7 +1041,7 @@
       </p:sp>
       <p:sp>
         <p:nvSpPr>
-          <p:cNvPr id="110" name="Picture Placeholder 2"/>
+          <p:cNvPr id="132" name="Picture Placeholder 2"/>
           <p:cNvSpPr/>
           <p:nvPr>
             <p:ph type="pic" idx="13"/>
@@ -893,8 +1049,8 @@
         </p:nvSpPr>
         <p:spPr>
           <a:xfrm>
-            <a:off x="1041426" y="1041399"/>
-            <a:ext cx="10105974" cy="3335869"/>
+            <a:off x="1041425" y="1041399"/>
+            <a:ext cx="10105975" cy="3335869"/>
           </a:xfrm>
           <a:prstGeom prst="rect">
             <a:avLst/>
@@ -907,7 +1063,7 @@
           </a:ln>
         </p:spPr>
         <p:txBody>
-          <a:bodyPr lIns="91439" rIns="91439">
+          <a:bodyPr lIns="91439" tIns="45719" rIns="91439" bIns="45719">
             <a:noAutofit/>
           </a:bodyPr>
           <a:lstStyle/>
@@ -918,7 +1074,7 @@
       </p:sp>
       <p:sp>
         <p:nvSpPr>
-          <p:cNvPr id="111" name="Body Level One…"/>
+          <p:cNvPr id="133" name="Body Level One…"/>
           <p:cNvSpPr txBox="1"/>
           <p:nvPr>
             <p:ph type="body" sz="quarter" idx="1"/>
@@ -927,7 +1083,7 @@
         <p:spPr>
           <a:xfrm>
             <a:off x="1295400" y="5382152"/>
-            <a:ext cx="9609668" cy="493713"/>
+            <a:ext cx="9609668" cy="493714"/>
           </a:xfrm>
           <a:prstGeom prst="rect">
             <a:avLst/>
@@ -943,28 +1099,28 @@
               <a:buNone/>
               <a:defRPr sz="1400"/>
             </a:lvl1pPr>
-            <a:lvl2pPr marL="0" indent="457200" algn="ctr">
+            <a:lvl2pPr marL="0" indent="0" algn="ctr">
               <a:buClrTx/>
               <a:buSzTx/>
               <a:buFontTx/>
               <a:buNone/>
               <a:defRPr sz="1400"/>
             </a:lvl2pPr>
-            <a:lvl3pPr marL="0" indent="914400" algn="ctr">
+            <a:lvl3pPr marL="0" indent="0" algn="ctr">
               <a:buClrTx/>
               <a:buSzTx/>
               <a:buFontTx/>
               <a:buNone/>
               <a:defRPr sz="1400"/>
             </a:lvl3pPr>
-            <a:lvl4pPr marL="0" indent="1371600" algn="ctr">
+            <a:lvl4pPr marL="0" indent="0" algn="ctr">
               <a:buClrTx/>
               <a:buSzTx/>
               <a:buFontTx/>
               <a:buNone/>
               <a:defRPr sz="1400"/>
             </a:lvl4pPr>
-            <a:lvl5pPr marL="0" indent="1828800" algn="ctr">
+            <a:lvl5pPr marL="0" indent="0" algn="ctr">
               <a:buClrTx/>
               <a:buSzTx/>
               <a:buFontTx/>
@@ -1006,7 +1162,7 @@
       </p:sp>
       <p:sp>
         <p:nvSpPr>
-          <p:cNvPr id="112" name="Slide Number"/>
+          <p:cNvPr id="134" name="Slide Number"/>
           <p:cNvSpPr txBox="1"/>
           <p:nvPr>
             <p:ph type="sldNum" sz="quarter" idx="2"/>
@@ -1036,7 +1192,7 @@
 </file>
 
 <file path=ppt/slideLayouts/slideLayout11.xml><?xml version="1.0" encoding="utf-8"?>
-<p:sldLayout xmlns:a="http://schemas.openxmlformats.org/drawingml/2006/main" xmlns:r="http://schemas.openxmlformats.org/officeDocument/2006/relationships" xmlns:p="http://schemas.openxmlformats.org/presentationml/2006/main" xmlns:m="http://schemas.openxmlformats.org/officeDocument/2006/math" xmlns:a14="http://schemas.microsoft.com/office/drawing/2010/main" type="tx" showMasterSp="1" showMasterPhAnim="1">
+<p:sldLayout xmlns:a="http://schemas.openxmlformats.org/drawingml/2006/main" xmlns:r="http://schemas.openxmlformats.org/officeDocument/2006/relationships" xmlns:p="http://schemas.openxmlformats.org/presentationml/2006/main" xmlns:m="http://schemas.openxmlformats.org/officeDocument/2006/math" xmlns:a14="http://schemas.microsoft.com/office/drawing/2010/main" type="tx" showMasterSp="0" showMasterPhAnim="1">
   <p:cSld name="Title and Caption">
     <p:spTree>
       <p:nvGrpSpPr>
@@ -1052,9 +1208,158 @@
           <a:chExt cx="0" cy="0"/>
         </a:xfrm>
       </p:grpSpPr>
+      <p:grpSp>
+        <p:nvGrpSpPr>
+          <p:cNvPr id="145" name="Group 6"/>
+          <p:cNvGrpSpPr/>
+          <p:nvPr/>
+        </p:nvGrpSpPr>
+        <p:grpSpPr>
+          <a:xfrm>
+            <a:off x="-15738" y="0"/>
+            <a:ext cx="12229965" cy="6856216"/>
+            <a:chOff x="0" y="0"/>
+            <a:chExt cx="12229964" cy="6856215"/>
+          </a:xfrm>
+        </p:grpSpPr>
+        <p:pic>
+          <p:nvPicPr>
+            <p:cNvPr id="141" name="Picture 7" descr="Picture 7"/>
+            <p:cNvPicPr>
+              <a:picLocks noChangeAspect="1"/>
+            </p:cNvPicPr>
+            <p:nvPr/>
+          </p:nvPicPr>
+          <p:blipFill>
+            <a:blip r:embed="rId2">
+              <a:extLst/>
+            </a:blip>
+            <a:stretch>
+              <a:fillRect/>
+            </a:stretch>
+          </p:blipFill>
+          <p:spPr>
+            <a:xfrm>
+              <a:off x="15736" y="0"/>
+              <a:ext cx="12188828" cy="6856216"/>
+            </a:xfrm>
+            <a:prstGeom prst="rect">
+              <a:avLst/>
+            </a:prstGeom>
+            <a:ln w="12700" cap="flat">
+              <a:noFill/>
+              <a:miter lim="400000"/>
+            </a:ln>
+            <a:effectLst/>
+          </p:spPr>
+        </p:pic>
+        <p:sp>
+          <p:nvSpPr>
+            <p:cNvPr id="142" name="Rectangle 8"/>
+            <p:cNvSpPr/>
+            <p:nvPr/>
+          </p:nvSpPr>
+          <p:spPr>
+            <a:xfrm>
+              <a:off x="623748" y="609600"/>
+              <a:ext cx="10972803" cy="5638802"/>
+            </a:xfrm>
+            <a:prstGeom prst="rect">
+              <a:avLst/>
+            </a:prstGeom>
+            <a:noFill/>
+            <a:ln w="15875" cap="flat">
+              <a:solidFill>
+                <a:schemeClr val="accent1"/>
+              </a:solidFill>
+              <a:prstDash val="solid"/>
+              <a:miter lim="800000"/>
+            </a:ln>
+            <a:effectLst/>
+          </p:spPr>
+          <p:txBody>
+            <a:bodyPr wrap="square" lIns="45718" tIns="45718" rIns="45718" bIns="45718" numCol="1" anchor="t">
+              <a:noAutofit/>
+            </a:bodyPr>
+            <a:lstStyle/>
+            <a:p>
+              <a:pPr>
+                <a:defRPr>
+                  <a:latin typeface="Garamond"/>
+                  <a:ea typeface="Garamond"/>
+                  <a:cs typeface="Garamond"/>
+                  <a:sym typeface="Garamond"/>
+                </a:defRPr>
+              </a:pPr>
+            </a:p>
+          </p:txBody>
+        </p:sp>
+        <p:pic>
+          <p:nvPicPr>
+            <p:cNvPr id="143" name="Picture 9" descr="Picture 9"/>
+            <p:cNvPicPr>
+              <a:picLocks noChangeAspect="1"/>
+            </p:cNvPicPr>
+            <p:nvPr/>
+          </p:nvPicPr>
+          <p:blipFill>
+            <a:blip r:embed="rId3">
+              <a:extLst/>
+            </a:blip>
+            <a:stretch>
+              <a:fillRect/>
+            </a:stretch>
+          </p:blipFill>
+          <p:spPr>
+            <a:xfrm>
+              <a:off x="-1" y="3153832"/>
+              <a:ext cx="777242" cy="606427"/>
+            </a:xfrm>
+            <a:prstGeom prst="rect">
+              <a:avLst/>
+            </a:prstGeom>
+            <a:ln w="12700" cap="flat">
+              <a:noFill/>
+              <a:miter lim="400000"/>
+            </a:ln>
+            <a:effectLst/>
+          </p:spPr>
+        </p:pic>
+        <p:pic>
+          <p:nvPicPr>
+            <p:cNvPr id="144" name="Picture 10" descr="Picture 10"/>
+            <p:cNvPicPr>
+              <a:picLocks noChangeAspect="1"/>
+            </p:cNvPicPr>
+            <p:nvPr/>
+          </p:nvPicPr>
+          <p:blipFill>
+            <a:blip r:embed="rId3">
+              <a:extLst/>
+            </a:blip>
+            <a:stretch>
+              <a:fillRect/>
+            </a:stretch>
+          </p:blipFill>
+          <p:spPr>
+            <a:xfrm>
+              <a:off x="11452722" y="3153832"/>
+              <a:ext cx="777242" cy="606427"/>
+            </a:xfrm>
+            <a:prstGeom prst="rect">
+              <a:avLst/>
+            </a:prstGeom>
+            <a:ln w="12700" cap="flat">
+              <a:noFill/>
+              <a:miter lim="400000"/>
+            </a:ln>
+            <a:effectLst/>
+          </p:spPr>
+        </p:pic>
+      </p:grpSp>
       <p:sp>
         <p:nvSpPr>
-          <p:cNvPr id="119" name="Title Text"/>
+          <p:cNvPr id="146" name="Title Text"/>
           <p:cNvSpPr txBox="1"/>
           <p:nvPr>
             <p:ph type="title"/>
@@ -1063,7 +1368,7 @@
         <p:spPr>
           <a:xfrm>
             <a:off x="1303867" y="982132"/>
-            <a:ext cx="9592734" cy="2954869"/>
+            <a:ext cx="9592734" cy="2954870"/>
           </a:xfrm>
           <a:prstGeom prst="rect">
             <a:avLst/>
@@ -1086,7 +1391,7 @@
       </p:sp>
       <p:sp>
         <p:nvSpPr>
-          <p:cNvPr id="120" name="Body Level One…"/>
+          <p:cNvPr id="147" name="Body Level One…"/>
           <p:cNvSpPr txBox="1"/>
           <p:nvPr>
             <p:ph type="body" sz="quarter" idx="1"/>
@@ -1095,7 +1400,7 @@
         <p:spPr>
           <a:xfrm>
             <a:off x="1303867" y="4343398"/>
-            <a:ext cx="9592734" cy="1532468"/>
+            <a:ext cx="9592734" cy="1532469"/>
           </a:xfrm>
           <a:prstGeom prst="rect">
             <a:avLst/>
@@ -1115,7 +1420,7 @@
                 </a:solidFill>
               </a:defRPr>
             </a:lvl1pPr>
-            <a:lvl2pPr marL="0" indent="457200" algn="ctr">
+            <a:lvl2pPr marL="0" indent="0" algn="ctr">
               <a:buClrTx/>
               <a:buSzTx/>
               <a:buFontTx/>
@@ -1126,7 +1431,7 @@
                 </a:solidFill>
               </a:defRPr>
             </a:lvl2pPr>
-            <a:lvl3pPr marL="0" indent="914400" algn="ctr">
+            <a:lvl3pPr marL="0" indent="0" algn="ctr">
               <a:buClrTx/>
               <a:buSzTx/>
               <a:buFontTx/>
@@ -1137,7 +1442,7 @@
                 </a:solidFill>
               </a:defRPr>
             </a:lvl3pPr>
-            <a:lvl4pPr marL="0" indent="1371600" algn="ctr">
+            <a:lvl4pPr marL="0" indent="0" algn="ctr">
               <a:buClrTx/>
               <a:buSzTx/>
               <a:buFontTx/>
@@ -1148,7 +1453,7 @@
                 </a:solidFill>
               </a:defRPr>
             </a:lvl4pPr>
-            <a:lvl5pPr marL="0" indent="1828800" algn="ctr">
+            <a:lvl5pPr marL="0" indent="0" algn="ctr">
               <a:buClrTx/>
               <a:buSzTx/>
               <a:buFontTx/>
@@ -1194,14 +1499,14 @@
       </p:sp>
       <p:sp>
         <p:nvSpPr>
-          <p:cNvPr id="121" name="Straight Connector 14"/>
+          <p:cNvPr id="148" name="Straight Connector 14"/>
           <p:cNvSpPr/>
           <p:nvPr/>
         </p:nvSpPr>
         <p:spPr>
           <a:xfrm>
             <a:off x="1396169" y="4140198"/>
-            <a:ext cx="9407299" cy="1"/>
+            <a:ext cx="9407299" cy="2"/>
           </a:xfrm>
           <a:prstGeom prst="line">
             <a:avLst/>
@@ -1213,7 +1518,7 @@
           </a:ln>
         </p:spPr>
         <p:txBody>
-          <a:bodyPr lIns="45719" rIns="45719"/>
+          <a:bodyPr lIns="45718" tIns="45718" rIns="45718" bIns="45718"/>
           <a:lstStyle/>
           <a:p>
             <a:pPr/>
@@ -1222,7 +1527,7 @@
       </p:sp>
       <p:sp>
         <p:nvSpPr>
-          <p:cNvPr id="122" name="Slide Number"/>
+          <p:cNvPr id="149" name="Slide Number"/>
           <p:cNvSpPr txBox="1"/>
           <p:nvPr>
             <p:ph type="sldNum" sz="quarter" idx="2"/>
@@ -1252,7 +1557,7 @@
 </file>
 
 <file path=ppt/slideLayouts/slideLayout12.xml><?xml version="1.0" encoding="utf-8"?>
-<p:sldLayout xmlns:a="http://schemas.openxmlformats.org/drawingml/2006/main" xmlns:r="http://schemas.openxmlformats.org/officeDocument/2006/relationships" xmlns:p="http://schemas.openxmlformats.org/presentationml/2006/main" xmlns:m="http://schemas.openxmlformats.org/officeDocument/2006/math" xmlns:a14="http://schemas.microsoft.com/office/drawing/2010/main" type="tx" showMasterSp="1" showMasterPhAnim="1">
+<p:sldLayout xmlns:a="http://schemas.openxmlformats.org/drawingml/2006/main" xmlns:r="http://schemas.openxmlformats.org/officeDocument/2006/relationships" xmlns:p="http://schemas.openxmlformats.org/presentationml/2006/main" xmlns:m="http://schemas.openxmlformats.org/officeDocument/2006/math" xmlns:a14="http://schemas.microsoft.com/office/drawing/2010/main" type="tx" showMasterSp="0" showMasterPhAnim="1">
   <p:cSld name="Quote with Caption">
     <p:spTree>
       <p:nvGrpSpPr>
@@ -1268,9 +1573,158 @@
           <a:chExt cx="0" cy="0"/>
         </a:xfrm>
       </p:grpSpPr>
+      <p:grpSp>
+        <p:nvGrpSpPr>
+          <p:cNvPr id="160" name="Group 6"/>
+          <p:cNvGrpSpPr/>
+          <p:nvPr/>
+        </p:nvGrpSpPr>
+        <p:grpSpPr>
+          <a:xfrm>
+            <a:off x="-15738" y="0"/>
+            <a:ext cx="12229965" cy="6856216"/>
+            <a:chOff x="0" y="0"/>
+            <a:chExt cx="12229964" cy="6856215"/>
+          </a:xfrm>
+        </p:grpSpPr>
+        <p:pic>
+          <p:nvPicPr>
+            <p:cNvPr id="156" name="Picture 7" descr="Picture 7"/>
+            <p:cNvPicPr>
+              <a:picLocks noChangeAspect="1"/>
+            </p:cNvPicPr>
+            <p:nvPr/>
+          </p:nvPicPr>
+          <p:blipFill>
+            <a:blip r:embed="rId2">
+              <a:extLst/>
+            </a:blip>
+            <a:stretch>
+              <a:fillRect/>
+            </a:stretch>
+          </p:blipFill>
+          <p:spPr>
+            <a:xfrm>
+              <a:off x="15736" y="0"/>
+              <a:ext cx="12188828" cy="6856216"/>
+            </a:xfrm>
+            <a:prstGeom prst="rect">
+              <a:avLst/>
+            </a:prstGeom>
+            <a:ln w="12700" cap="flat">
+              <a:noFill/>
+              <a:miter lim="400000"/>
+            </a:ln>
+            <a:effectLst/>
+          </p:spPr>
+        </p:pic>
+        <p:sp>
+          <p:nvSpPr>
+            <p:cNvPr id="157" name="Rectangle 8"/>
+            <p:cNvSpPr/>
+            <p:nvPr/>
+          </p:nvSpPr>
+          <p:spPr>
+            <a:xfrm>
+              <a:off x="623748" y="609600"/>
+              <a:ext cx="10972803" cy="5638802"/>
+            </a:xfrm>
+            <a:prstGeom prst="rect">
+              <a:avLst/>
+            </a:prstGeom>
+            <a:noFill/>
+            <a:ln w="15875" cap="flat">
+              <a:solidFill>
+                <a:schemeClr val="accent1"/>
+              </a:solidFill>
+              <a:prstDash val="solid"/>
+              <a:miter lim="800000"/>
+            </a:ln>
+            <a:effectLst/>
+          </p:spPr>
+          <p:txBody>
+            <a:bodyPr wrap="square" lIns="45718" tIns="45718" rIns="45718" bIns="45718" numCol="1" anchor="t">
+              <a:noAutofit/>
+            </a:bodyPr>
+            <a:lstStyle/>
+            <a:p>
+              <a:pPr>
+                <a:defRPr>
+                  <a:latin typeface="Garamond"/>
+                  <a:ea typeface="Garamond"/>
+                  <a:cs typeface="Garamond"/>
+                  <a:sym typeface="Garamond"/>
+                </a:defRPr>
+              </a:pPr>
+            </a:p>
+          </p:txBody>
+        </p:sp>
+        <p:pic>
+          <p:nvPicPr>
+            <p:cNvPr id="158" name="Picture 9" descr="Picture 9"/>
+            <p:cNvPicPr>
+              <a:picLocks noChangeAspect="1"/>
+            </p:cNvPicPr>
+            <p:nvPr/>
+          </p:nvPicPr>
+          <p:blipFill>
+            <a:blip r:embed="rId3">
+              <a:extLst/>
+            </a:blip>
+            <a:stretch>
+              <a:fillRect/>
+            </a:stretch>
+          </p:blipFill>
+          <p:spPr>
+            <a:xfrm>
+              <a:off x="-1" y="3153832"/>
+              <a:ext cx="777242" cy="606427"/>
+            </a:xfrm>
+            <a:prstGeom prst="rect">
+              <a:avLst/>
+            </a:prstGeom>
+            <a:ln w="12700" cap="flat">
+              <a:noFill/>
+              <a:miter lim="400000"/>
+            </a:ln>
+            <a:effectLst/>
+          </p:spPr>
+        </p:pic>
+        <p:pic>
+          <p:nvPicPr>
+            <p:cNvPr id="159" name="Picture 10" descr="Picture 10"/>
+            <p:cNvPicPr>
+              <a:picLocks noChangeAspect="1"/>
+            </p:cNvPicPr>
+            <p:nvPr/>
+          </p:nvPicPr>
+          <p:blipFill>
+            <a:blip r:embed="rId3">
+              <a:extLst/>
+            </a:blip>
+            <a:stretch>
+              <a:fillRect/>
+            </a:stretch>
+          </p:blipFill>
+          <p:spPr>
+            <a:xfrm>
+              <a:off x="11452722" y="3153832"/>
+              <a:ext cx="777242" cy="606427"/>
+            </a:xfrm>
+            <a:prstGeom prst="rect">
+              <a:avLst/>
+            </a:prstGeom>
+            <a:ln w="12700" cap="flat">
+              <a:noFill/>
+              <a:miter lim="400000"/>
+            </a:ln>
+            <a:effectLst/>
+          </p:spPr>
+        </p:pic>
+      </p:grpSp>
       <p:sp>
         <p:nvSpPr>
-          <p:cNvPr id="129" name="Title Text"/>
+          <p:cNvPr id="161" name="Title Text"/>
           <p:cNvSpPr txBox="1"/>
           <p:nvPr>
             <p:ph type="title"/>
@@ -1279,7 +1733,7 @@
         <p:spPr>
           <a:xfrm>
             <a:off x="1446212" y="982132"/>
-            <a:ext cx="9296399" cy="2370669"/>
+            <a:ext cx="9296400" cy="2370670"/>
           </a:xfrm>
           <a:prstGeom prst="rect">
             <a:avLst/>
@@ -1306,7 +1760,7 @@
       </p:sp>
       <p:sp>
         <p:nvSpPr>
-          <p:cNvPr id="130" name="Body Level One…"/>
+          <p:cNvPr id="162" name="Body Level One…"/>
           <p:cNvSpPr txBox="1"/>
           <p:nvPr>
             <p:ph type="body" sz="quarter" idx="1"/>
@@ -1314,8 +1768,8 @@
         </p:nvSpPr>
         <p:spPr>
           <a:xfrm>
-            <a:off x="1674811" y="3352800"/>
-            <a:ext cx="8839204" cy="584200"/>
+            <a:off x="1674810" y="3352800"/>
+            <a:ext cx="8839205" cy="584200"/>
           </a:xfrm>
           <a:prstGeom prst="rect">
             <a:avLst/>
@@ -1331,28 +1785,28 @@
               <a:buNone/>
               <a:defRPr sz="2000"/>
             </a:lvl1pPr>
-            <a:lvl2pPr marL="0" indent="457200" algn="r">
+            <a:lvl2pPr marL="0" indent="0" algn="r">
               <a:buClrTx/>
               <a:buSzTx/>
               <a:buFontTx/>
               <a:buNone/>
               <a:defRPr sz="2000"/>
             </a:lvl2pPr>
-            <a:lvl3pPr marL="0" indent="914400" algn="r">
+            <a:lvl3pPr marL="0" indent="0" algn="r">
               <a:buClrTx/>
               <a:buSzTx/>
               <a:buFontTx/>
               <a:buNone/>
               <a:defRPr sz="2000"/>
             </a:lvl3pPr>
-            <a:lvl4pPr marL="0" indent="1371600" algn="r">
+            <a:lvl4pPr marL="0" indent="0" algn="r">
               <a:buClrTx/>
               <a:buSzTx/>
               <a:buFontTx/>
               <a:buNone/>
               <a:defRPr sz="2000"/>
             </a:lvl4pPr>
-            <a:lvl5pPr marL="0" indent="1828800" algn="r">
+            <a:lvl5pPr marL="0" indent="0" algn="r">
               <a:buClrTx/>
               <a:buSzTx/>
               <a:buFontTx/>
@@ -1394,7 +1848,7 @@
       </p:sp>
       <p:sp>
         <p:nvSpPr>
-          <p:cNvPr id="131" name="Text Placeholder 2"/>
+          <p:cNvPr id="163" name="Text Placeholder 2"/>
           <p:cNvSpPr/>
           <p:nvPr>
             <p:ph type="body" sz="quarter" idx="13"/>
@@ -1402,8 +1856,8 @@
         </p:nvSpPr>
         <p:spPr>
           <a:xfrm>
-            <a:off x="1295400" y="4343398"/>
-            <a:ext cx="9609668" cy="1532468"/>
+            <a:off x="1295399" y="4343398"/>
+            <a:ext cx="9609670" cy="1532469"/>
           </a:xfrm>
           <a:prstGeom prst="rect">
             <a:avLst/>
@@ -1413,30 +1867,20 @@
           <a:bodyPr anchor="ctr"/>
           <a:lstStyle/>
           <a:p>
-            <a:pPr marL="0" indent="0" algn="ctr">
-              <a:buClrTx/>
-              <a:buSzTx/>
-              <a:buFontTx/>
-              <a:buNone/>
-              <a:defRPr sz="2000">
-                <a:solidFill>
-                  <a:srgbClr val="000000"/>
-                </a:solidFill>
-              </a:defRPr>
-            </a:pPr>
+            <a:pPr/>
           </a:p>
         </p:txBody>
       </p:sp>
       <p:sp>
         <p:nvSpPr>
-          <p:cNvPr id="132" name="TextBox 13"/>
+          <p:cNvPr id="164" name="TextBox 13"/>
           <p:cNvSpPr txBox="1"/>
           <p:nvPr/>
         </p:nvSpPr>
         <p:spPr>
           <a:xfrm>
-            <a:off x="862012" y="555129"/>
-            <a:ext cx="609601" cy="1234441"/>
+            <a:off x="862012" y="555128"/>
+            <a:ext cx="609602" cy="1234439"/>
           </a:xfrm>
           <a:prstGeom prst="rect">
             <a:avLst/>
@@ -1451,12 +1895,17 @@
           </a:extLst>
         </p:spPr>
         <p:txBody>
-          <a:bodyPr lIns="45719" rIns="45719" anchor="ctr">
+          <a:bodyPr lIns="45718" tIns="45718" rIns="45718" bIns="45718" anchor="ctr">
             <a:spAutoFit/>
           </a:bodyPr>
           <a:lstStyle>
             <a:lvl1pPr>
-              <a:defRPr sz="8000"/>
+              <a:defRPr sz="8000">
+                <a:latin typeface="Garamond"/>
+                <a:ea typeface="Garamond"/>
+                <a:cs typeface="Garamond"/>
+                <a:sym typeface="Garamond"/>
+              </a:defRPr>
             </a:lvl1pPr>
           </a:lstStyle>
           <a:p>
@@ -1469,14 +1918,14 @@
       </p:sp>
       <p:sp>
         <p:nvSpPr>
-          <p:cNvPr id="133" name="TextBox 14"/>
+          <p:cNvPr id="165" name="TextBox 14"/>
           <p:cNvSpPr txBox="1"/>
           <p:nvPr/>
         </p:nvSpPr>
         <p:spPr>
           <a:xfrm>
-            <a:off x="10600266" y="2503038"/>
-            <a:ext cx="609601" cy="1234441"/>
+            <a:off x="10600266" y="2503037"/>
+            <a:ext cx="609602" cy="1234439"/>
           </a:xfrm>
           <a:prstGeom prst="rect">
             <a:avLst/>
@@ -1491,12 +1940,17 @@
           </a:extLst>
         </p:spPr>
         <p:txBody>
-          <a:bodyPr lIns="45719" rIns="45719" anchor="ctr">
+          <a:bodyPr lIns="45718" tIns="45718" rIns="45718" bIns="45718" anchor="ctr">
             <a:spAutoFit/>
           </a:bodyPr>
           <a:lstStyle>
             <a:lvl1pPr algn="r">
-              <a:defRPr sz="8000"/>
+              <a:defRPr sz="8000">
+                <a:latin typeface="Garamond"/>
+                <a:ea typeface="Garamond"/>
+                <a:cs typeface="Garamond"/>
+                <a:sym typeface="Garamond"/>
+              </a:defRPr>
             </a:lvl1pPr>
           </a:lstStyle>
           <a:p>
@@ -1509,14 +1963,14 @@
       </p:sp>
       <p:sp>
         <p:nvSpPr>
-          <p:cNvPr id="134" name="Straight Connector 18"/>
+          <p:cNvPr id="166" name="Straight Connector 18"/>
           <p:cNvSpPr/>
           <p:nvPr/>
         </p:nvSpPr>
         <p:spPr>
           <a:xfrm>
             <a:off x="1396169" y="4140198"/>
-            <a:ext cx="9407299" cy="1"/>
+            <a:ext cx="9407299" cy="2"/>
           </a:xfrm>
           <a:prstGeom prst="line">
             <a:avLst/>
@@ -1528,7 +1982,7 @@
           </a:ln>
         </p:spPr>
         <p:txBody>
-          <a:bodyPr lIns="45719" rIns="45719"/>
+          <a:bodyPr lIns="45718" tIns="45718" rIns="45718" bIns="45718"/>
           <a:lstStyle/>
           <a:p>
             <a:pPr/>
@@ -1537,7 +1991,7 @@
       </p:sp>
       <p:sp>
         <p:nvSpPr>
-          <p:cNvPr id="135" name="Slide Number"/>
+          <p:cNvPr id="167" name="Slide Number"/>
           <p:cNvSpPr txBox="1"/>
           <p:nvPr>
             <p:ph type="sldNum" sz="quarter" idx="2"/>
@@ -1567,7 +2021,7 @@
 </file>
 
 <file path=ppt/slideLayouts/slideLayout13.xml><?xml version="1.0" encoding="utf-8"?>
-<p:sldLayout xmlns:a="http://schemas.openxmlformats.org/drawingml/2006/main" xmlns:r="http://schemas.openxmlformats.org/officeDocument/2006/relationships" xmlns:p="http://schemas.openxmlformats.org/presentationml/2006/main" xmlns:m="http://schemas.openxmlformats.org/officeDocument/2006/math" xmlns:a14="http://schemas.microsoft.com/office/drawing/2010/main" type="tx" showMasterSp="1" showMasterPhAnim="1">
+<p:sldLayout xmlns:a="http://schemas.openxmlformats.org/drawingml/2006/main" xmlns:r="http://schemas.openxmlformats.org/officeDocument/2006/relationships" xmlns:p="http://schemas.openxmlformats.org/presentationml/2006/main" xmlns:m="http://schemas.openxmlformats.org/officeDocument/2006/math" xmlns:a14="http://schemas.microsoft.com/office/drawing/2010/main" type="tx" showMasterSp="0" showMasterPhAnim="1">
   <p:cSld name="Name Card">
     <p:spTree>
       <p:nvGrpSpPr>
@@ -1583,9 +2037,158 @@
           <a:chExt cx="0" cy="0"/>
         </a:xfrm>
       </p:grpSpPr>
+      <p:grpSp>
+        <p:nvGrpSpPr>
+          <p:cNvPr id="178" name="Group 6"/>
+          <p:cNvGrpSpPr/>
+          <p:nvPr/>
+        </p:nvGrpSpPr>
+        <p:grpSpPr>
+          <a:xfrm>
+            <a:off x="-15738" y="0"/>
+            <a:ext cx="12229965" cy="6856216"/>
+            <a:chOff x="0" y="0"/>
+            <a:chExt cx="12229964" cy="6856215"/>
+          </a:xfrm>
+        </p:grpSpPr>
+        <p:pic>
+          <p:nvPicPr>
+            <p:cNvPr id="174" name="Picture 7" descr="Picture 7"/>
+            <p:cNvPicPr>
+              <a:picLocks noChangeAspect="1"/>
+            </p:cNvPicPr>
+            <p:nvPr/>
+          </p:nvPicPr>
+          <p:blipFill>
+            <a:blip r:embed="rId2">
+              <a:extLst/>
+            </a:blip>
+            <a:stretch>
+              <a:fillRect/>
+            </a:stretch>
+          </p:blipFill>
+          <p:spPr>
+            <a:xfrm>
+              <a:off x="15736" y="0"/>
+              <a:ext cx="12188828" cy="6856216"/>
+            </a:xfrm>
+            <a:prstGeom prst="rect">
+              <a:avLst/>
+            </a:prstGeom>
+            <a:ln w="12700" cap="flat">
+              <a:noFill/>
+              <a:miter lim="400000"/>
+            </a:ln>
+            <a:effectLst/>
+          </p:spPr>
+        </p:pic>
+        <p:sp>
+          <p:nvSpPr>
+            <p:cNvPr id="175" name="Rectangle 8"/>
+            <p:cNvSpPr/>
+            <p:nvPr/>
+          </p:nvSpPr>
+          <p:spPr>
+            <a:xfrm>
+              <a:off x="623748" y="609600"/>
+              <a:ext cx="10972803" cy="5638802"/>
+            </a:xfrm>
+            <a:prstGeom prst="rect">
+              <a:avLst/>
+            </a:prstGeom>
+            <a:noFill/>
+            <a:ln w="15875" cap="flat">
+              <a:solidFill>
+                <a:schemeClr val="accent1"/>
+              </a:solidFill>
+              <a:prstDash val="solid"/>
+              <a:miter lim="800000"/>
+            </a:ln>
+            <a:effectLst/>
+          </p:spPr>
+          <p:txBody>
+            <a:bodyPr wrap="square" lIns="45718" tIns="45718" rIns="45718" bIns="45718" numCol="1" anchor="t">
+              <a:noAutofit/>
+            </a:bodyPr>
+            <a:lstStyle/>
+            <a:p>
+              <a:pPr>
+                <a:defRPr>
+                  <a:latin typeface="Garamond"/>
+                  <a:ea typeface="Garamond"/>
+                  <a:cs typeface="Garamond"/>
+                  <a:sym typeface="Garamond"/>
+                </a:defRPr>
+              </a:pPr>
+            </a:p>
+          </p:txBody>
+        </p:sp>
+        <p:pic>
+          <p:nvPicPr>
+            <p:cNvPr id="176" name="Picture 9" descr="Picture 9"/>
+            <p:cNvPicPr>
+              <a:picLocks noChangeAspect="1"/>
+            </p:cNvPicPr>
+            <p:nvPr/>
+          </p:nvPicPr>
+          <p:blipFill>
+            <a:blip r:embed="rId3">
+              <a:extLst/>
+            </a:blip>
+            <a:stretch>
+              <a:fillRect/>
+            </a:stretch>
+          </p:blipFill>
+          <p:spPr>
+            <a:xfrm>
+              <a:off x="-1" y="3153832"/>
+              <a:ext cx="777242" cy="606427"/>
+            </a:xfrm>
+            <a:prstGeom prst="rect">
+              <a:avLst/>
+            </a:prstGeom>
+            <a:ln w="12700" cap="flat">
+              <a:noFill/>
+              <a:miter lim="400000"/>
+            </a:ln>
+            <a:effectLst/>
+          </p:spPr>
+        </p:pic>
+        <p:pic>
+          <p:nvPicPr>
+            <p:cNvPr id="177" name="Picture 10" descr="Picture 10"/>
+            <p:cNvPicPr>
+              <a:picLocks noChangeAspect="1"/>
+            </p:cNvPicPr>
+            <p:nvPr/>
+          </p:nvPicPr>
+          <p:blipFill>
+            <a:blip r:embed="rId3">
+              <a:extLst/>
+            </a:blip>
+            <a:stretch>
+              <a:fillRect/>
+            </a:stretch>
+          </p:blipFill>
+          <p:spPr>
+            <a:xfrm>
+              <a:off x="11452722" y="3153832"/>
+              <a:ext cx="777242" cy="606427"/>
+            </a:xfrm>
+            <a:prstGeom prst="rect">
+              <a:avLst/>
+            </a:prstGeom>
+            <a:ln w="12700" cap="flat">
+              <a:noFill/>
+              <a:miter lim="400000"/>
+            </a:ln>
+            <a:effectLst/>
+          </p:spPr>
+        </p:pic>
+      </p:grpSp>
       <p:sp>
         <p:nvSpPr>
-          <p:cNvPr id="142" name="Title Text"/>
+          <p:cNvPr id="179" name="Title Text"/>
           <p:cNvSpPr txBox="1"/>
           <p:nvPr>
             <p:ph type="title"/>
@@ -1593,8 +2196,8 @@
         </p:nvSpPr>
         <p:spPr>
           <a:xfrm>
-            <a:off x="1295402" y="3308580"/>
-            <a:ext cx="9609668" cy="1468801"/>
+            <a:off x="1295402" y="3308579"/>
+            <a:ext cx="9609668" cy="1468802"/>
           </a:xfrm>
           <a:prstGeom prst="rect">
             <a:avLst/>
@@ -1617,7 +2220,7 @@
       </p:sp>
       <p:sp>
         <p:nvSpPr>
-          <p:cNvPr id="143" name="Body Level One…"/>
+          <p:cNvPr id="180" name="Body Level One…"/>
           <p:cNvSpPr txBox="1"/>
           <p:nvPr>
             <p:ph type="body" sz="quarter" idx="1"/>
@@ -1626,7 +2229,7 @@
         <p:spPr>
           <a:xfrm>
             <a:off x="1295400" y="4777380"/>
-            <a:ext cx="9609669" cy="860401"/>
+            <a:ext cx="9609670" cy="860402"/>
           </a:xfrm>
           <a:prstGeom prst="rect">
             <a:avLst/>
@@ -1646,7 +2249,7 @@
                 </a:solidFill>
               </a:defRPr>
             </a:lvl1pPr>
-            <a:lvl2pPr marL="0" indent="457200">
+            <a:lvl2pPr marL="0" indent="0">
               <a:buClrTx/>
               <a:buSzTx/>
               <a:buFontTx/>
@@ -1657,7 +2260,7 @@
                 </a:solidFill>
               </a:defRPr>
             </a:lvl2pPr>
-            <a:lvl3pPr marL="0" indent="914400">
+            <a:lvl3pPr marL="0" indent="0">
               <a:buClrTx/>
               <a:buSzTx/>
               <a:buFontTx/>
@@ -1668,7 +2271,7 @@
                 </a:solidFill>
               </a:defRPr>
             </a:lvl3pPr>
-            <a:lvl4pPr marL="0" indent="1371600">
+            <a:lvl4pPr marL="0" indent="0">
               <a:buClrTx/>
               <a:buSzTx/>
               <a:buFontTx/>
@@ -1679,7 +2282,7 @@
                 </a:solidFill>
               </a:defRPr>
             </a:lvl4pPr>
-            <a:lvl5pPr marL="0" indent="1828800">
+            <a:lvl5pPr marL="0" indent="0">
               <a:buClrTx/>
               <a:buSzTx/>
               <a:buFontTx/>
@@ -1725,7 +2328,7 @@
       </p:sp>
       <p:sp>
         <p:nvSpPr>
-          <p:cNvPr id="144" name="Slide Number"/>
+          <p:cNvPr id="181" name="Slide Number"/>
           <p:cNvSpPr txBox="1"/>
           <p:nvPr>
             <p:ph type="sldNum" sz="quarter" idx="2"/>
@@ -1755,7 +2358,7 @@
 </file>
 
 <file path=ppt/slideLayouts/slideLayout14.xml><?xml version="1.0" encoding="utf-8"?>
-<p:sldLayout xmlns:a="http://schemas.openxmlformats.org/drawingml/2006/main" xmlns:r="http://schemas.openxmlformats.org/officeDocument/2006/relationships" xmlns:p="http://schemas.openxmlformats.org/presentationml/2006/main" xmlns:m="http://schemas.openxmlformats.org/officeDocument/2006/math" xmlns:a14="http://schemas.microsoft.com/office/drawing/2010/main" type="tx" showMasterSp="1" showMasterPhAnim="1">
+<p:sldLayout xmlns:a="http://schemas.openxmlformats.org/drawingml/2006/main" xmlns:r="http://schemas.openxmlformats.org/officeDocument/2006/relationships" xmlns:p="http://schemas.openxmlformats.org/presentationml/2006/main" xmlns:m="http://schemas.openxmlformats.org/officeDocument/2006/math" xmlns:a14="http://schemas.microsoft.com/office/drawing/2010/main" type="tx" showMasterSp="0" showMasterPhAnim="1">
   <p:cSld name="Quote Name Card">
     <p:spTree>
       <p:nvGrpSpPr>
@@ -1771,9 +2374,158 @@
           <a:chExt cx="0" cy="0"/>
         </a:xfrm>
       </p:grpSpPr>
+      <p:grpSp>
+        <p:nvGrpSpPr>
+          <p:cNvPr id="192" name="Group 6"/>
+          <p:cNvGrpSpPr/>
+          <p:nvPr/>
+        </p:nvGrpSpPr>
+        <p:grpSpPr>
+          <a:xfrm>
+            <a:off x="-15738" y="0"/>
+            <a:ext cx="12229965" cy="6856216"/>
+            <a:chOff x="0" y="0"/>
+            <a:chExt cx="12229964" cy="6856215"/>
+          </a:xfrm>
+        </p:grpSpPr>
+        <p:pic>
+          <p:nvPicPr>
+            <p:cNvPr id="188" name="Picture 7" descr="Picture 7"/>
+            <p:cNvPicPr>
+              <a:picLocks noChangeAspect="1"/>
+            </p:cNvPicPr>
+            <p:nvPr/>
+          </p:nvPicPr>
+          <p:blipFill>
+            <a:blip r:embed="rId2">
+              <a:extLst/>
+            </a:blip>
+            <a:stretch>
+              <a:fillRect/>
+            </a:stretch>
+          </p:blipFill>
+          <p:spPr>
+            <a:xfrm>
+              <a:off x="15736" y="0"/>
+              <a:ext cx="12188828" cy="6856216"/>
+            </a:xfrm>
+            <a:prstGeom prst="rect">
+              <a:avLst/>
+            </a:prstGeom>
+            <a:ln w="12700" cap="flat">
+              <a:noFill/>
+              <a:miter lim="400000"/>
+            </a:ln>
+            <a:effectLst/>
+          </p:spPr>
+        </p:pic>
+        <p:sp>
+          <p:nvSpPr>
+            <p:cNvPr id="189" name="Rectangle 8"/>
+            <p:cNvSpPr/>
+            <p:nvPr/>
+          </p:nvSpPr>
+          <p:spPr>
+            <a:xfrm>
+              <a:off x="623748" y="609600"/>
+              <a:ext cx="10972803" cy="5638802"/>
+            </a:xfrm>
+            <a:prstGeom prst="rect">
+              <a:avLst/>
+            </a:prstGeom>
+            <a:noFill/>
+            <a:ln w="15875" cap="flat">
+              <a:solidFill>
+                <a:schemeClr val="accent1"/>
+              </a:solidFill>
+              <a:prstDash val="solid"/>
+              <a:miter lim="800000"/>
+            </a:ln>
+            <a:effectLst/>
+          </p:spPr>
+          <p:txBody>
+            <a:bodyPr wrap="square" lIns="45718" tIns="45718" rIns="45718" bIns="45718" numCol="1" anchor="t">
+              <a:noAutofit/>
+            </a:bodyPr>
+            <a:lstStyle/>
+            <a:p>
+              <a:pPr>
+                <a:defRPr>
+                  <a:latin typeface="Garamond"/>
+                  <a:ea typeface="Garamond"/>
+                  <a:cs typeface="Garamond"/>
+                  <a:sym typeface="Garamond"/>
+                </a:defRPr>
+              </a:pPr>
+            </a:p>
+          </p:txBody>
+        </p:sp>
+        <p:pic>
+          <p:nvPicPr>
+            <p:cNvPr id="190" name="Picture 9" descr="Picture 9"/>
+            <p:cNvPicPr>
+              <a:picLocks noChangeAspect="1"/>
+            </p:cNvPicPr>
+            <p:nvPr/>
+          </p:nvPicPr>
+          <p:blipFill>
+            <a:blip r:embed="rId3">
+              <a:extLst/>
+            </a:blip>
+            <a:stretch>
+              <a:fillRect/>
+            </a:stretch>
+          </p:blipFill>
+          <p:spPr>
+            <a:xfrm>
+              <a:off x="-1" y="3153832"/>
+              <a:ext cx="777242" cy="606427"/>
+            </a:xfrm>
+            <a:prstGeom prst="rect">
+              <a:avLst/>
+            </a:prstGeom>
+            <a:ln w="12700" cap="flat">
+              <a:noFill/>
+              <a:miter lim="400000"/>
+            </a:ln>
+            <a:effectLst/>
+          </p:spPr>
+        </p:pic>
+        <p:pic>
+          <p:nvPicPr>
+            <p:cNvPr id="191" name="Picture 10" descr="Picture 10"/>
+            <p:cNvPicPr>
+              <a:picLocks noChangeAspect="1"/>
+            </p:cNvPicPr>
+            <p:nvPr/>
+          </p:nvPicPr>
+          <p:blipFill>
+            <a:blip r:embed="rId3">
+              <a:extLst/>
+            </a:blip>
+            <a:stretch>
+              <a:fillRect/>
+            </a:stretch>
+          </p:blipFill>
+          <p:spPr>
+            <a:xfrm>
+              <a:off x="11452722" y="3153832"/>
+              <a:ext cx="777242" cy="606427"/>
+            </a:xfrm>
+            <a:prstGeom prst="rect">
+              <a:avLst/>
+            </a:prstGeom>
+            <a:ln w="12700" cap="flat">
+              <a:noFill/>
+              <a:miter lim="400000"/>
+            </a:ln>
+            <a:effectLst/>
+          </p:spPr>
+        </p:pic>
+      </p:grpSp>
       <p:sp>
         <p:nvSpPr>
-          <p:cNvPr id="151" name="Title Text"/>
+          <p:cNvPr id="193" name="Title Text"/>
           <p:cNvSpPr txBox="1"/>
           <p:nvPr>
             <p:ph type="title"/>
@@ -1782,7 +2534,7 @@
         <p:spPr>
           <a:xfrm>
             <a:off x="1446212" y="982132"/>
-            <a:ext cx="9296399" cy="2243669"/>
+            <a:ext cx="9296400" cy="2243670"/>
           </a:xfrm>
           <a:prstGeom prst="rect">
             <a:avLst/>
@@ -1809,7 +2561,7 @@
       </p:sp>
       <p:sp>
         <p:nvSpPr>
-          <p:cNvPr id="152" name="Body Level One…"/>
+          <p:cNvPr id="194" name="Body Level One…"/>
           <p:cNvSpPr txBox="1"/>
           <p:nvPr>
             <p:ph type="body" sz="quarter" idx="1"/>
@@ -1817,8 +2569,8 @@
         </p:nvSpPr>
         <p:spPr>
           <a:xfrm>
-            <a:off x="1295400" y="3639311"/>
-            <a:ext cx="9609669" cy="886969"/>
+            <a:off x="1295400" y="3639310"/>
+            <a:ext cx="9609670" cy="886970"/>
           </a:xfrm>
           <a:prstGeom prst="rect">
             <a:avLst/>
@@ -1838,7 +2590,7 @@
                 </a:solidFill>
               </a:defRPr>
             </a:lvl1pPr>
-            <a:lvl2pPr marL="0" indent="457200">
+            <a:lvl2pPr marL="0" indent="0">
               <a:buClrTx/>
               <a:buSzTx/>
               <a:buFontTx/>
@@ -1849,7 +2601,7 @@
                 </a:solidFill>
               </a:defRPr>
             </a:lvl2pPr>
-            <a:lvl3pPr marL="0" indent="914400">
+            <a:lvl3pPr marL="0" indent="0">
               <a:buClrTx/>
               <a:buSzTx/>
               <a:buFontTx/>
@@ -1860,7 +2612,7 @@
                 </a:solidFill>
               </a:defRPr>
             </a:lvl3pPr>
-            <a:lvl4pPr marL="0" indent="1371600">
+            <a:lvl4pPr marL="0" indent="0">
               <a:buClrTx/>
               <a:buSzTx/>
               <a:buFontTx/>
@@ -1871,7 +2623,7 @@
                 </a:solidFill>
               </a:defRPr>
             </a:lvl4pPr>
-            <a:lvl5pPr marL="0" indent="1828800">
+            <a:lvl5pPr marL="0" indent="0">
               <a:buClrTx/>
               <a:buSzTx/>
               <a:buFontTx/>
@@ -1917,7 +2669,7 @@
       </p:sp>
       <p:sp>
         <p:nvSpPr>
-          <p:cNvPr id="153" name="Text Placeholder 2"/>
+          <p:cNvPr id="195" name="Text Placeholder 2"/>
           <p:cNvSpPr/>
           <p:nvPr>
             <p:ph type="body" sz="quarter" idx="13"/>
@@ -1925,8 +2677,8 @@
         </p:nvSpPr>
         <p:spPr>
           <a:xfrm>
-            <a:off x="1295400" y="4529666"/>
-            <a:ext cx="9609670" cy="1346201"/>
+            <a:off x="1295399" y="4529666"/>
+            <a:ext cx="9609672" cy="1346202"/>
           </a:xfrm>
           <a:prstGeom prst="rect">
             <a:avLst/>
@@ -1936,30 +2688,20 @@
           <a:bodyPr/>
           <a:lstStyle/>
           <a:p>
-            <a:pPr marL="0" indent="0">
-              <a:buClrTx/>
-              <a:buSzTx/>
-              <a:buFontTx/>
-              <a:buNone/>
-              <a:defRPr sz="1800">
-                <a:solidFill>
-                  <a:srgbClr val="000000"/>
-                </a:solidFill>
-              </a:defRPr>
-            </a:pPr>
+            <a:pPr/>
           </a:p>
         </p:txBody>
       </p:sp>
       <p:sp>
         <p:nvSpPr>
-          <p:cNvPr id="154" name="TextBox 11"/>
+          <p:cNvPr id="196" name="TextBox 11"/>
           <p:cNvSpPr txBox="1"/>
           <p:nvPr/>
         </p:nvSpPr>
         <p:spPr>
           <a:xfrm>
-            <a:off x="862012" y="555129"/>
-            <a:ext cx="609601" cy="1234441"/>
+            <a:off x="862012" y="555128"/>
+            <a:ext cx="609602" cy="1234439"/>
           </a:xfrm>
           <a:prstGeom prst="rect">
             <a:avLst/>
@@ -1974,12 +2716,17 @@
           </a:extLst>
         </p:spPr>
         <p:txBody>
-          <a:bodyPr lIns="45719" rIns="45719" anchor="ctr">
+          <a:bodyPr lIns="45718" tIns="45718" rIns="45718" bIns="45718" anchor="ctr">
             <a:spAutoFit/>
           </a:bodyPr>
           <a:lstStyle>
             <a:lvl1pPr>
-              <a:defRPr sz="8000"/>
+              <a:defRPr sz="8000">
+                <a:latin typeface="Garamond"/>
+                <a:ea typeface="Garamond"/>
+                <a:cs typeface="Garamond"/>
+                <a:sym typeface="Garamond"/>
+              </a:defRPr>
             </a:lvl1pPr>
           </a:lstStyle>
           <a:p>
@@ -1992,14 +2739,14 @@
       </p:sp>
       <p:sp>
         <p:nvSpPr>
-          <p:cNvPr id="155" name="TextBox 12"/>
+          <p:cNvPr id="197" name="TextBox 12"/>
           <p:cNvSpPr txBox="1"/>
           <p:nvPr/>
         </p:nvSpPr>
         <p:spPr>
           <a:xfrm>
             <a:off x="10600266" y="2274428"/>
-            <a:ext cx="609601" cy="1234441"/>
+            <a:ext cx="609602" cy="1234439"/>
           </a:xfrm>
           <a:prstGeom prst="rect">
             <a:avLst/>
@@ -2014,12 +2761,17 @@
           </a:extLst>
         </p:spPr>
         <p:txBody>
-          <a:bodyPr lIns="45719" rIns="45719" anchor="ctr">
+          <a:bodyPr lIns="45718" tIns="45718" rIns="45718" bIns="45718" anchor="ctr">
             <a:spAutoFit/>
           </a:bodyPr>
           <a:lstStyle>
             <a:lvl1pPr algn="r">
-              <a:defRPr sz="8000"/>
+              <a:defRPr sz="8000">
+                <a:latin typeface="Garamond"/>
+                <a:ea typeface="Garamond"/>
+                <a:cs typeface="Garamond"/>
+                <a:sym typeface="Garamond"/>
+              </a:defRPr>
             </a:lvl1pPr>
           </a:lstStyle>
           <a:p>
@@ -2032,7 +2784,7 @@
       </p:sp>
       <p:sp>
         <p:nvSpPr>
-          <p:cNvPr id="156" name="Straight Connector 25"/>
+          <p:cNvPr id="198" name="Straight Connector 25"/>
           <p:cNvSpPr/>
           <p:nvPr/>
         </p:nvSpPr>
@@ -2051,7 +2803,7 @@
           </a:ln>
         </p:spPr>
         <p:txBody>
-          <a:bodyPr lIns="45719" rIns="45719"/>
+          <a:bodyPr lIns="45718" tIns="45718" rIns="45718" bIns="45718"/>
           <a:lstStyle/>
           <a:p>
             <a:pPr/>
@@ -2060,7 +2812,7 @@
       </p:sp>
       <p:sp>
         <p:nvSpPr>
-          <p:cNvPr id="157" name="Slide Number"/>
+          <p:cNvPr id="199" name="Slide Number"/>
           <p:cNvSpPr txBox="1"/>
           <p:nvPr>
             <p:ph type="sldNum" sz="quarter" idx="2"/>
@@ -2090,7 +2842,7 @@
 </file>
 
 <file path=ppt/slideLayouts/slideLayout15.xml><?xml version="1.0" encoding="utf-8"?>
-<p:sldLayout xmlns:a="http://schemas.openxmlformats.org/drawingml/2006/main" xmlns:r="http://schemas.openxmlformats.org/officeDocument/2006/relationships" xmlns:p="http://schemas.openxmlformats.org/presentationml/2006/main" xmlns:m="http://schemas.openxmlformats.org/officeDocument/2006/math" xmlns:a14="http://schemas.microsoft.com/office/drawing/2010/main" type="tx" showMasterSp="1" showMasterPhAnim="1">
+<p:sldLayout xmlns:a="http://schemas.openxmlformats.org/drawingml/2006/main" xmlns:r="http://schemas.openxmlformats.org/officeDocument/2006/relationships" xmlns:p="http://schemas.openxmlformats.org/presentationml/2006/main" xmlns:m="http://schemas.openxmlformats.org/officeDocument/2006/math" xmlns:a14="http://schemas.microsoft.com/office/drawing/2010/main" type="tx" showMasterSp="0" showMasterPhAnim="1">
   <p:cSld name="True or False">
     <p:spTree>
       <p:nvGrpSpPr>
@@ -2106,9 +2858,158 @@
           <a:chExt cx="0" cy="0"/>
         </a:xfrm>
       </p:grpSpPr>
+      <p:grpSp>
+        <p:nvGrpSpPr>
+          <p:cNvPr id="210" name="Group 6"/>
+          <p:cNvGrpSpPr/>
+          <p:nvPr/>
+        </p:nvGrpSpPr>
+        <p:grpSpPr>
+          <a:xfrm>
+            <a:off x="-15738" y="0"/>
+            <a:ext cx="12229965" cy="6856216"/>
+            <a:chOff x="0" y="0"/>
+            <a:chExt cx="12229964" cy="6856215"/>
+          </a:xfrm>
+        </p:grpSpPr>
+        <p:pic>
+          <p:nvPicPr>
+            <p:cNvPr id="206" name="Picture 7" descr="Picture 7"/>
+            <p:cNvPicPr>
+              <a:picLocks noChangeAspect="1"/>
+            </p:cNvPicPr>
+            <p:nvPr/>
+          </p:nvPicPr>
+          <p:blipFill>
+            <a:blip r:embed="rId2">
+              <a:extLst/>
+            </a:blip>
+            <a:stretch>
+              <a:fillRect/>
+            </a:stretch>
+          </p:blipFill>
+          <p:spPr>
+            <a:xfrm>
+              <a:off x="15736" y="0"/>
+              <a:ext cx="12188828" cy="6856216"/>
+            </a:xfrm>
+            <a:prstGeom prst="rect">
+              <a:avLst/>
+            </a:prstGeom>
+            <a:ln w="12700" cap="flat">
+              <a:noFill/>
+              <a:miter lim="400000"/>
+            </a:ln>
+            <a:effectLst/>
+          </p:spPr>
+        </p:pic>
+        <p:sp>
+          <p:nvSpPr>
+            <p:cNvPr id="207" name="Rectangle 8"/>
+            <p:cNvSpPr/>
+            <p:nvPr/>
+          </p:nvSpPr>
+          <p:spPr>
+            <a:xfrm>
+              <a:off x="623748" y="609600"/>
+              <a:ext cx="10972803" cy="5638802"/>
+            </a:xfrm>
+            <a:prstGeom prst="rect">
+              <a:avLst/>
+            </a:prstGeom>
+            <a:noFill/>
+            <a:ln w="15875" cap="flat">
+              <a:solidFill>
+                <a:schemeClr val="accent1"/>
+              </a:solidFill>
+              <a:prstDash val="solid"/>
+              <a:miter lim="800000"/>
+            </a:ln>
+            <a:effectLst/>
+          </p:spPr>
+          <p:txBody>
+            <a:bodyPr wrap="square" lIns="45718" tIns="45718" rIns="45718" bIns="45718" numCol="1" anchor="t">
+              <a:noAutofit/>
+            </a:bodyPr>
+            <a:lstStyle/>
+            <a:p>
+              <a:pPr>
+                <a:defRPr>
+                  <a:latin typeface="Garamond"/>
+                  <a:ea typeface="Garamond"/>
+                  <a:cs typeface="Garamond"/>
+                  <a:sym typeface="Garamond"/>
+                </a:defRPr>
+              </a:pPr>
+            </a:p>
+          </p:txBody>
+        </p:sp>
+        <p:pic>
+          <p:nvPicPr>
+            <p:cNvPr id="208" name="Picture 9" descr="Picture 9"/>
+            <p:cNvPicPr>
+              <a:picLocks noChangeAspect="1"/>
+            </p:cNvPicPr>
+            <p:nvPr/>
+          </p:nvPicPr>
+          <p:blipFill>
+            <a:blip r:embed="rId3">
+              <a:extLst/>
+            </a:blip>
+            <a:stretch>
+              <a:fillRect/>
+            </a:stretch>
+          </p:blipFill>
+          <p:spPr>
+            <a:xfrm>
+              <a:off x="-1" y="3153832"/>
+              <a:ext cx="777242" cy="606427"/>
+            </a:xfrm>
+            <a:prstGeom prst="rect">
+              <a:avLst/>
+            </a:prstGeom>
+            <a:ln w="12700" cap="flat">
+              <a:noFill/>
+              <a:miter lim="400000"/>
+            </a:ln>
+            <a:effectLst/>
+          </p:spPr>
+        </p:pic>
+        <p:pic>
+          <p:nvPicPr>
+            <p:cNvPr id="209" name="Picture 10" descr="Picture 10"/>
+            <p:cNvPicPr>
+              <a:picLocks noChangeAspect="1"/>
+            </p:cNvPicPr>
+            <p:nvPr/>
+          </p:nvPicPr>
+          <p:blipFill>
+            <a:blip r:embed="rId3">
+              <a:extLst/>
+            </a:blip>
+            <a:stretch>
+              <a:fillRect/>
+            </a:stretch>
+          </p:blipFill>
+          <p:spPr>
+            <a:xfrm>
+              <a:off x="11452722" y="3153832"/>
+              <a:ext cx="777242" cy="606427"/>
+            </a:xfrm>
+            <a:prstGeom prst="rect">
+              <a:avLst/>
+            </a:prstGeom>
+            <a:ln w="12700" cap="flat">
+              <a:noFill/>
+              <a:miter lim="400000"/>
+            </a:ln>
+            <a:effectLst/>
+          </p:spPr>
+        </p:pic>
+      </p:grpSp>
       <p:sp>
         <p:nvSpPr>
-          <p:cNvPr id="164" name="Title Text"/>
+          <p:cNvPr id="211" name="Title Text"/>
           <p:cNvSpPr txBox="1"/>
           <p:nvPr>
             <p:ph type="title"/>
@@ -2117,7 +3018,7 @@
         <p:spPr>
           <a:xfrm>
             <a:off x="1295400" y="982132"/>
-            <a:ext cx="9609668" cy="2243669"/>
+            <a:ext cx="9609668" cy="2243670"/>
           </a:xfrm>
           <a:prstGeom prst="rect">
             <a:avLst/>
@@ -2136,7 +3037,7 @@
       </p:sp>
       <p:sp>
         <p:nvSpPr>
-          <p:cNvPr id="165" name="Body Level One…"/>
+          <p:cNvPr id="212" name="Body Level One…"/>
           <p:cNvSpPr txBox="1"/>
           <p:nvPr>
             <p:ph type="body" sz="quarter" idx="1"/>
@@ -2145,7 +3046,7 @@
         <p:spPr>
           <a:xfrm>
             <a:off x="1295400" y="3630167"/>
-            <a:ext cx="9609669" cy="841249"/>
+            <a:ext cx="9609670" cy="841250"/>
           </a:xfrm>
           <a:prstGeom prst="rect">
             <a:avLst/>
@@ -2165,7 +3066,7 @@
                 </a:solidFill>
               </a:defRPr>
             </a:lvl1pPr>
-            <a:lvl2pPr marL="0" indent="457200">
+            <a:lvl2pPr marL="0" indent="0">
               <a:buClrTx/>
               <a:buSzTx/>
               <a:buFontTx/>
@@ -2176,7 +3077,7 @@
                 </a:solidFill>
               </a:defRPr>
             </a:lvl2pPr>
-            <a:lvl3pPr marL="0" indent="914400">
+            <a:lvl3pPr marL="0" indent="0">
               <a:buClrTx/>
               <a:buSzTx/>
               <a:buFontTx/>
@@ -2187,7 +3088,7 @@
                 </a:solidFill>
               </a:defRPr>
             </a:lvl3pPr>
-            <a:lvl4pPr marL="0" indent="1371600">
+            <a:lvl4pPr marL="0" indent="0">
               <a:buClrTx/>
               <a:buSzTx/>
               <a:buFontTx/>
@@ -2198,7 +3099,7 @@
                 </a:solidFill>
               </a:defRPr>
             </a:lvl4pPr>
-            <a:lvl5pPr marL="0" indent="1828800">
+            <a:lvl5pPr marL="0" indent="0">
               <a:buClrTx/>
               <a:buSzTx/>
               <a:buFontTx/>
@@ -2244,7 +3145,7 @@
       </p:sp>
       <p:sp>
         <p:nvSpPr>
-          <p:cNvPr id="166" name="Text Placeholder 2"/>
+          <p:cNvPr id="213" name="Text Placeholder 2"/>
           <p:cNvSpPr/>
           <p:nvPr>
             <p:ph type="body" sz="quarter" idx="13"/>
@@ -2253,7 +3154,7 @@
         <p:spPr>
           <a:xfrm>
             <a:off x="1295400" y="4470398"/>
-            <a:ext cx="9609671" cy="1405468"/>
+            <a:ext cx="9609671" cy="1405469"/>
           </a:xfrm>
           <a:prstGeom prst="rect">
             <a:avLst/>
@@ -2263,23 +3164,13 @@
           <a:bodyPr/>
           <a:lstStyle/>
           <a:p>
-            <a:pPr marL="0" indent="0">
-              <a:buClrTx/>
-              <a:buSzTx/>
-              <a:buFontTx/>
-              <a:buNone/>
-              <a:defRPr sz="1800">
-                <a:solidFill>
-                  <a:srgbClr val="000000"/>
-                </a:solidFill>
-              </a:defRPr>
-            </a:pPr>
+            <a:pPr/>
           </a:p>
         </p:txBody>
       </p:sp>
       <p:sp>
         <p:nvSpPr>
-          <p:cNvPr id="167" name="Straight Connector 14"/>
+          <p:cNvPr id="214" name="Straight Connector 14"/>
           <p:cNvSpPr/>
           <p:nvPr/>
         </p:nvSpPr>
@@ -2298,7 +3189,7 @@
           </a:ln>
         </p:spPr>
         <p:txBody>
-          <a:bodyPr lIns="45719" rIns="45719"/>
+          <a:bodyPr lIns="45718" tIns="45718" rIns="45718" bIns="45718"/>
           <a:lstStyle/>
           <a:p>
             <a:pPr/>
@@ -2307,7 +3198,7 @@
       </p:sp>
       <p:sp>
         <p:nvSpPr>
-          <p:cNvPr id="168" name="Slide Number"/>
+          <p:cNvPr id="215" name="Slide Number"/>
           <p:cNvSpPr txBox="1"/>
           <p:nvPr>
             <p:ph type="sldNum" sz="quarter" idx="2"/>
@@ -2355,34 +3246,6 @@
       </p:grpSpPr>
       <p:sp>
         <p:nvSpPr>
-          <p:cNvPr id="31" name="Straight Connector 6"/>
-          <p:cNvSpPr/>
-          <p:nvPr/>
-        </p:nvSpPr>
-        <p:spPr>
-          <a:xfrm>
-            <a:off x="1396169" y="2421465"/>
-            <a:ext cx="9407299" cy="1"/>
-          </a:xfrm>
-          <a:prstGeom prst="line">
-            <a:avLst/>
-          </a:prstGeom>
-          <a:ln w="15875">
-            <a:solidFill>
-              <a:schemeClr val="accent1"/>
-            </a:solidFill>
-          </a:ln>
-        </p:spPr>
-        <p:txBody>
-          <a:bodyPr lIns="45719" rIns="45719"/>
-          <a:lstStyle/>
-          <a:p>
-            <a:pPr/>
-          </a:p>
-        </p:txBody>
-      </p:sp>
-      <p:sp>
-        <p:nvSpPr>
           <p:cNvPr id="32" name="Title Text"/>
           <p:cNvSpPr txBox="1"/>
           <p:nvPr>
@@ -2390,10 +3253,6 @@
           </p:nvPr>
         </p:nvSpPr>
         <p:spPr>
-          <a:xfrm>
-            <a:off x="1295402" y="982132"/>
-            <a:ext cx="9601197" cy="1303868"/>
-          </a:xfrm>
           <a:prstGeom prst="rect">
             <a:avLst/>
           </a:prstGeom>
@@ -2419,8 +3278,8 @@
         </p:nvSpPr>
         <p:spPr>
           <a:xfrm>
-            <a:off x="1295400" y="2556931"/>
-            <a:ext cx="9601198" cy="3318938"/>
+            <a:off x="1295400" y="2556930"/>
+            <a:ext cx="9601198" cy="3318940"/>
           </a:xfrm>
           <a:prstGeom prst="rect">
             <a:avLst/>
@@ -2493,7 +3352,7 @@
 </file>
 
 <file path=ppt/slideLayouts/slideLayout3.xml><?xml version="1.0" encoding="utf-8"?>
-<p:sldLayout xmlns:a="http://schemas.openxmlformats.org/drawingml/2006/main" xmlns:r="http://schemas.openxmlformats.org/officeDocument/2006/relationships" xmlns:p="http://schemas.openxmlformats.org/presentationml/2006/main" xmlns:m="http://schemas.openxmlformats.org/officeDocument/2006/math" xmlns:a14="http://schemas.microsoft.com/office/drawing/2010/main" type="tx" showMasterSp="1" showMasterPhAnim="1">
+<p:sldLayout xmlns:a="http://schemas.openxmlformats.org/drawingml/2006/main" xmlns:r="http://schemas.openxmlformats.org/officeDocument/2006/relationships" xmlns:p="http://schemas.openxmlformats.org/presentationml/2006/main" xmlns:m="http://schemas.openxmlformats.org/officeDocument/2006/math" xmlns:a14="http://schemas.microsoft.com/office/drawing/2010/main" type="tx" showMasterSp="0" showMasterPhAnim="1">
   <p:cSld name="Section Header">
     <p:spTree>
       <p:nvGrpSpPr>
@@ -2509,9 +3368,158 @@
           <a:chExt cx="0" cy="0"/>
         </a:xfrm>
       </p:grpSpPr>
+      <p:grpSp>
+        <p:nvGrpSpPr>
+          <p:cNvPr id="45" name="Group 6"/>
+          <p:cNvGrpSpPr/>
+          <p:nvPr/>
+        </p:nvGrpSpPr>
+        <p:grpSpPr>
+          <a:xfrm>
+            <a:off x="-15738" y="0"/>
+            <a:ext cx="12229965" cy="6856216"/>
+            <a:chOff x="0" y="0"/>
+            <a:chExt cx="12229964" cy="6856215"/>
+          </a:xfrm>
+        </p:grpSpPr>
+        <p:pic>
+          <p:nvPicPr>
+            <p:cNvPr id="41" name="Picture 7" descr="Picture 7"/>
+            <p:cNvPicPr>
+              <a:picLocks noChangeAspect="1"/>
+            </p:cNvPicPr>
+            <p:nvPr/>
+          </p:nvPicPr>
+          <p:blipFill>
+            <a:blip r:embed="rId2">
+              <a:extLst/>
+            </a:blip>
+            <a:stretch>
+              <a:fillRect/>
+            </a:stretch>
+          </p:blipFill>
+          <p:spPr>
+            <a:xfrm>
+              <a:off x="15736" y="0"/>
+              <a:ext cx="12188828" cy="6856216"/>
+            </a:xfrm>
+            <a:prstGeom prst="rect">
+              <a:avLst/>
+            </a:prstGeom>
+            <a:ln w="12700" cap="flat">
+              <a:noFill/>
+              <a:miter lim="400000"/>
+            </a:ln>
+            <a:effectLst/>
+          </p:spPr>
+        </p:pic>
+        <p:sp>
+          <p:nvSpPr>
+            <p:cNvPr id="42" name="Rectangle 8"/>
+            <p:cNvSpPr/>
+            <p:nvPr/>
+          </p:nvSpPr>
+          <p:spPr>
+            <a:xfrm>
+              <a:off x="623748" y="609600"/>
+              <a:ext cx="10972803" cy="5638802"/>
+            </a:xfrm>
+            <a:prstGeom prst="rect">
+              <a:avLst/>
+            </a:prstGeom>
+            <a:noFill/>
+            <a:ln w="15875" cap="flat">
+              <a:solidFill>
+                <a:schemeClr val="accent1"/>
+              </a:solidFill>
+              <a:prstDash val="solid"/>
+              <a:miter lim="800000"/>
+            </a:ln>
+            <a:effectLst/>
+          </p:spPr>
+          <p:txBody>
+            <a:bodyPr wrap="square" lIns="45718" tIns="45718" rIns="45718" bIns="45718" numCol="1" anchor="t">
+              <a:noAutofit/>
+            </a:bodyPr>
+            <a:lstStyle/>
+            <a:p>
+              <a:pPr>
+                <a:defRPr>
+                  <a:latin typeface="Garamond"/>
+                  <a:ea typeface="Garamond"/>
+                  <a:cs typeface="Garamond"/>
+                  <a:sym typeface="Garamond"/>
+                </a:defRPr>
+              </a:pPr>
+            </a:p>
+          </p:txBody>
+        </p:sp>
+        <p:pic>
+          <p:nvPicPr>
+            <p:cNvPr id="43" name="Picture 9" descr="Picture 9"/>
+            <p:cNvPicPr>
+              <a:picLocks noChangeAspect="1"/>
+            </p:cNvPicPr>
+            <p:nvPr/>
+          </p:nvPicPr>
+          <p:blipFill>
+            <a:blip r:embed="rId3">
+              <a:extLst/>
+            </a:blip>
+            <a:stretch>
+              <a:fillRect/>
+            </a:stretch>
+          </p:blipFill>
+          <p:spPr>
+            <a:xfrm>
+              <a:off x="-1" y="3153832"/>
+              <a:ext cx="777242" cy="606427"/>
+            </a:xfrm>
+            <a:prstGeom prst="rect">
+              <a:avLst/>
+            </a:prstGeom>
+            <a:ln w="12700" cap="flat">
+              <a:noFill/>
+              <a:miter lim="400000"/>
+            </a:ln>
+            <a:effectLst/>
+          </p:spPr>
+        </p:pic>
+        <p:pic>
+          <p:nvPicPr>
+            <p:cNvPr id="44" name="Picture 10" descr="Picture 10"/>
+            <p:cNvPicPr>
+              <a:picLocks noChangeAspect="1"/>
+            </p:cNvPicPr>
+            <p:nvPr/>
+          </p:nvPicPr>
+          <p:blipFill>
+            <a:blip r:embed="rId3">
+              <a:extLst/>
+            </a:blip>
+            <a:stretch>
+              <a:fillRect/>
+            </a:stretch>
+          </p:blipFill>
+          <p:spPr>
+            <a:xfrm>
+              <a:off x="11452722" y="3153832"/>
+              <a:ext cx="777242" cy="606427"/>
+            </a:xfrm>
+            <a:prstGeom prst="rect">
+              <a:avLst/>
+            </a:prstGeom>
+            <a:ln w="12700" cap="flat">
+              <a:noFill/>
+              <a:miter lim="400000"/>
+            </a:ln>
+            <a:effectLst/>
+          </p:spPr>
+        </p:pic>
+      </p:grpSp>
       <p:sp>
         <p:nvSpPr>
-          <p:cNvPr id="41" name="Title Text"/>
+          <p:cNvPr id="46" name="Title Text"/>
           <p:cNvSpPr txBox="1"/>
           <p:nvPr>
             <p:ph type="title"/>
@@ -2539,7 +3547,7 @@
       </p:sp>
       <p:sp>
         <p:nvSpPr>
-          <p:cNvPr id="42" name="Body Level One…"/>
+          <p:cNvPr id="47" name="Body Level One…"/>
           <p:cNvSpPr txBox="1"/>
           <p:nvPr>
             <p:ph type="body" sz="quarter" idx="1"/>
@@ -2547,8 +3555,8 @@
         </p:nvSpPr>
         <p:spPr>
           <a:xfrm>
-            <a:off x="2015066" y="3846050"/>
-            <a:ext cx="8158692" cy="954548"/>
+            <a:off x="2015065" y="3846050"/>
+            <a:ext cx="8158693" cy="954549"/>
           </a:xfrm>
           <a:prstGeom prst="rect">
             <a:avLst/>
@@ -2568,7 +3576,7 @@
                 </a:solidFill>
               </a:defRPr>
             </a:lvl1pPr>
-            <a:lvl2pPr marL="0" indent="457200" algn="ctr">
+            <a:lvl2pPr marL="0" indent="0" algn="ctr">
               <a:buClrTx/>
               <a:buSzTx/>
               <a:buFontTx/>
@@ -2579,7 +3587,7 @@
                 </a:solidFill>
               </a:defRPr>
             </a:lvl2pPr>
-            <a:lvl3pPr marL="0" indent="914400" algn="ctr">
+            <a:lvl3pPr marL="0" indent="0" algn="ctr">
               <a:buClrTx/>
               <a:buSzTx/>
               <a:buFontTx/>
@@ -2590,7 +3598,7 @@
                 </a:solidFill>
               </a:defRPr>
             </a:lvl3pPr>
-            <a:lvl4pPr marL="0" indent="1371600" algn="ctr">
+            <a:lvl4pPr marL="0" indent="0" algn="ctr">
               <a:buClrTx/>
               <a:buSzTx/>
               <a:buFontTx/>
@@ -2601,7 +3609,7 @@
                 </a:solidFill>
               </a:defRPr>
             </a:lvl4pPr>
-            <a:lvl5pPr marL="0" indent="1828800" algn="ctr">
+            <a:lvl5pPr marL="0" indent="0" algn="ctr">
               <a:buClrTx/>
               <a:buSzTx/>
               <a:buFontTx/>
@@ -2647,14 +3655,14 @@
       </p:sp>
       <p:sp>
         <p:nvSpPr>
-          <p:cNvPr id="43" name="Straight Connector 15"/>
+          <p:cNvPr id="48" name="Straight Connector 15"/>
           <p:cNvSpPr/>
           <p:nvPr/>
         </p:nvSpPr>
         <p:spPr>
           <a:xfrm>
             <a:off x="2012723" y="3710585"/>
-            <a:ext cx="8163381" cy="1"/>
+            <a:ext cx="8163382" cy="2"/>
           </a:xfrm>
           <a:prstGeom prst="line">
             <a:avLst/>
@@ -2666,7 +3674,7 @@
           </a:ln>
         </p:spPr>
         <p:txBody>
-          <a:bodyPr lIns="45719" rIns="45719"/>
+          <a:bodyPr lIns="45718" tIns="45718" rIns="45718" bIns="45718"/>
           <a:lstStyle/>
           <a:p>
             <a:pPr/>
@@ -2675,7 +3683,7 @@
       </p:sp>
       <p:sp>
         <p:nvSpPr>
-          <p:cNvPr id="44" name="Slide Number"/>
+          <p:cNvPr id="49" name="Slide Number"/>
           <p:cNvSpPr txBox="1"/>
           <p:nvPr>
             <p:ph type="sldNum" sz="quarter" idx="2"/>
@@ -2723,45 +3731,13 @@
       </p:grpSpPr>
       <p:sp>
         <p:nvSpPr>
-          <p:cNvPr id="51" name="Straight Connector 7"/>
-          <p:cNvSpPr/>
-          <p:nvPr/>
-        </p:nvSpPr>
-        <p:spPr>
-          <a:xfrm>
-            <a:off x="1396169" y="2421465"/>
-            <a:ext cx="9407299" cy="1"/>
-          </a:xfrm>
-          <a:prstGeom prst="line">
-            <a:avLst/>
-          </a:prstGeom>
-          <a:ln w="15875">
-            <a:solidFill>
-              <a:schemeClr val="accent1"/>
-            </a:solidFill>
-          </a:ln>
-        </p:spPr>
-        <p:txBody>
-          <a:bodyPr lIns="45719" rIns="45719"/>
-          <a:lstStyle/>
-          <a:p>
-            <a:pPr/>
-          </a:p>
-        </p:txBody>
-      </p:sp>
-      <p:sp>
-        <p:nvSpPr>
-          <p:cNvPr id="52" name="Title Text"/>
+          <p:cNvPr id="56" name="Title Text"/>
           <p:cNvSpPr txBox="1"/>
           <p:nvPr>
             <p:ph type="title"/>
           </p:nvPr>
         </p:nvSpPr>
         <p:spPr>
-          <a:xfrm>
-            <a:off x="1295402" y="982132"/>
-            <a:ext cx="9601197" cy="1303868"/>
-          </a:xfrm>
           <a:prstGeom prst="rect">
             <a:avLst/>
           </a:prstGeom>
@@ -2779,7 +3755,7 @@
       </p:sp>
       <p:sp>
         <p:nvSpPr>
-          <p:cNvPr id="53" name="Body Level One…"/>
+          <p:cNvPr id="57" name="Body Level One…"/>
           <p:cNvSpPr txBox="1"/>
           <p:nvPr>
             <p:ph type="body" sz="quarter" idx="1"/>
@@ -2788,7 +3764,7 @@
         <p:spPr>
           <a:xfrm>
             <a:off x="1298447" y="2560320"/>
-            <a:ext cx="4718305" cy="3310129"/>
+            <a:ext cx="4718306" cy="3310130"/>
           </a:xfrm>
           <a:prstGeom prst="rect">
             <a:avLst/>
@@ -2831,7 +3807,7 @@
       </p:sp>
       <p:sp>
         <p:nvSpPr>
-          <p:cNvPr id="54" name="Slide Number"/>
+          <p:cNvPr id="58" name="Slide Number"/>
           <p:cNvSpPr txBox="1"/>
           <p:nvPr>
             <p:ph type="sldNum" sz="quarter" idx="2"/>
@@ -2879,17 +3855,13 @@
       </p:grpSpPr>
       <p:sp>
         <p:nvSpPr>
-          <p:cNvPr id="61" name="Title Text"/>
+          <p:cNvPr id="65" name="Title Text"/>
           <p:cNvSpPr txBox="1"/>
           <p:nvPr>
             <p:ph type="title"/>
           </p:nvPr>
         </p:nvSpPr>
         <p:spPr>
-          <a:xfrm>
-            <a:off x="1295402" y="982132"/>
-            <a:ext cx="9601197" cy="1303868"/>
-          </a:xfrm>
           <a:prstGeom prst="rect">
             <a:avLst/>
           </a:prstGeom>
@@ -2907,7 +3879,7 @@
       </p:sp>
       <p:sp>
         <p:nvSpPr>
-          <p:cNvPr id="62" name="Body Level One…"/>
+          <p:cNvPr id="66" name="Body Level One…"/>
           <p:cNvSpPr txBox="1"/>
           <p:nvPr>
             <p:ph type="body" sz="quarter" idx="1"/>
@@ -2916,7 +3888,7 @@
         <p:spPr>
           <a:xfrm>
             <a:off x="1295400" y="2658533"/>
-            <a:ext cx="4718304" cy="576263"/>
+            <a:ext cx="4718304" cy="576264"/>
           </a:xfrm>
           <a:prstGeom prst="rect">
             <a:avLst/>
@@ -2936,7 +3908,7 @@
                 </a:solidFill>
               </a:defRPr>
             </a:lvl1pPr>
-            <a:lvl2pPr marL="0" indent="457200">
+            <a:lvl2pPr marL="0" indent="0">
               <a:buClrTx/>
               <a:buSzTx/>
               <a:buFontTx/>
@@ -2947,7 +3919,7 @@
                 </a:solidFill>
               </a:defRPr>
             </a:lvl2pPr>
-            <a:lvl3pPr marL="0" indent="914400">
+            <a:lvl3pPr marL="0" indent="0">
               <a:buClrTx/>
               <a:buSzTx/>
               <a:buFontTx/>
@@ -2958,7 +3930,7 @@
                 </a:solidFill>
               </a:defRPr>
             </a:lvl3pPr>
-            <a:lvl4pPr marL="0" indent="1371600">
+            <a:lvl4pPr marL="0" indent="0">
               <a:buClrTx/>
               <a:buSzTx/>
               <a:buFontTx/>
@@ -2969,7 +3941,7 @@
                 </a:solidFill>
               </a:defRPr>
             </a:lvl4pPr>
-            <a:lvl5pPr marL="0" indent="1828800">
+            <a:lvl5pPr marL="0" indent="0">
               <a:buClrTx/>
               <a:buSzTx/>
               <a:buFontTx/>
@@ -3015,7 +3987,7 @@
       </p:sp>
       <p:sp>
         <p:nvSpPr>
-          <p:cNvPr id="63" name="Text Placeholder 4"/>
+          <p:cNvPr id="67" name="Text Placeholder 4"/>
           <p:cNvSpPr/>
           <p:nvPr>
             <p:ph type="body" sz="quarter" idx="13"/>
@@ -3024,7 +3996,7 @@
         <p:spPr>
           <a:xfrm>
             <a:off x="6180670" y="2658533"/>
-            <a:ext cx="4718305" cy="576263"/>
+            <a:ext cx="4718306" cy="576264"/>
           </a:xfrm>
           <a:prstGeom prst="rect">
             <a:avLst/>
@@ -3034,51 +4006,13 @@
           <a:bodyPr anchor="b"/>
           <a:lstStyle/>
           <a:p>
-            <a:pPr marL="0" indent="0">
-              <a:buClrTx/>
-              <a:buSzTx/>
-              <a:buFontTx/>
-              <a:buNone/>
-              <a:defRPr sz="2800">
-                <a:solidFill>
-                  <a:schemeClr val="accent1"/>
-                </a:solidFill>
-              </a:defRPr>
-            </a:pPr>
+            <a:pPr/>
           </a:p>
         </p:txBody>
       </p:sp>
       <p:sp>
         <p:nvSpPr>
-          <p:cNvPr id="64" name="Straight Connector 17"/>
-          <p:cNvSpPr/>
-          <p:nvPr/>
-        </p:nvSpPr>
-        <p:spPr>
-          <a:xfrm>
-            <a:off x="1396169" y="2421465"/>
-            <a:ext cx="9407299" cy="1"/>
-          </a:xfrm>
-          <a:prstGeom prst="line">
-            <a:avLst/>
-          </a:prstGeom>
-          <a:ln w="15875">
-            <a:solidFill>
-              <a:schemeClr val="accent1"/>
-            </a:solidFill>
-          </a:ln>
-        </p:spPr>
-        <p:txBody>
-          <a:bodyPr lIns="45719" rIns="45719"/>
-          <a:lstStyle/>
-          <a:p>
-            <a:pPr/>
-          </a:p>
-        </p:txBody>
-      </p:sp>
-      <p:sp>
-        <p:nvSpPr>
-          <p:cNvPr id="65" name="Slide Number"/>
+          <p:cNvPr id="68" name="Slide Number"/>
           <p:cNvSpPr txBox="1"/>
           <p:nvPr>
             <p:ph type="sldNum" sz="quarter" idx="2"/>
@@ -3126,17 +4060,13 @@
       </p:grpSpPr>
       <p:sp>
         <p:nvSpPr>
-          <p:cNvPr id="72" name="Title Text"/>
+          <p:cNvPr id="75" name="Title Text"/>
           <p:cNvSpPr txBox="1"/>
           <p:nvPr>
             <p:ph type="title"/>
           </p:nvPr>
         </p:nvSpPr>
         <p:spPr>
-          <a:xfrm>
-            <a:off x="1295402" y="982132"/>
-            <a:ext cx="9601197" cy="1303868"/>
-          </a:xfrm>
           <a:prstGeom prst="rect">
             <a:avLst/>
           </a:prstGeom>
@@ -3154,35 +4084,7 @@
       </p:sp>
       <p:sp>
         <p:nvSpPr>
-          <p:cNvPr id="73" name="Straight Connector 13"/>
-          <p:cNvSpPr/>
-          <p:nvPr/>
-        </p:nvSpPr>
-        <p:spPr>
-          <a:xfrm>
-            <a:off x="1396169" y="2421465"/>
-            <a:ext cx="9407299" cy="1"/>
-          </a:xfrm>
-          <a:prstGeom prst="line">
-            <a:avLst/>
-          </a:prstGeom>
-          <a:ln w="15875">
-            <a:solidFill>
-              <a:schemeClr val="accent1"/>
-            </a:solidFill>
-          </a:ln>
-        </p:spPr>
-        <p:txBody>
-          <a:bodyPr lIns="45719" rIns="45719"/>
-          <a:lstStyle/>
-          <a:p>
-            <a:pPr/>
-          </a:p>
-        </p:txBody>
-      </p:sp>
-      <p:sp>
-        <p:nvSpPr>
-          <p:cNvPr id="74" name="Slide Number"/>
+          <p:cNvPr id="76" name="Slide Number"/>
           <p:cNvSpPr txBox="1"/>
           <p:nvPr>
             <p:ph type="sldNum" sz="quarter" idx="2"/>
@@ -3212,7 +4114,7 @@
 </file>
 
 <file path=ppt/slideLayouts/slideLayout7.xml><?xml version="1.0" encoding="utf-8"?>
-<p:sldLayout xmlns:a="http://schemas.openxmlformats.org/drawingml/2006/main" xmlns:r="http://schemas.openxmlformats.org/officeDocument/2006/relationships" xmlns:p="http://schemas.openxmlformats.org/presentationml/2006/main" xmlns:m="http://schemas.openxmlformats.org/officeDocument/2006/math" xmlns:a14="http://schemas.microsoft.com/office/drawing/2010/main" type="tx" showMasterSp="1" showMasterPhAnim="1">
+<p:sldLayout xmlns:a="http://schemas.openxmlformats.org/drawingml/2006/main" xmlns:r="http://schemas.openxmlformats.org/officeDocument/2006/relationships" xmlns:p="http://schemas.openxmlformats.org/presentationml/2006/main" xmlns:m="http://schemas.openxmlformats.org/officeDocument/2006/math" xmlns:a14="http://schemas.microsoft.com/office/drawing/2010/main" type="tx" showMasterSp="0" showMasterPhAnim="1">
   <p:cSld name="Blank">
     <p:spTree>
       <p:nvGrpSpPr>
@@ -3228,9 +4130,158 @@
           <a:chExt cx="0" cy="0"/>
         </a:xfrm>
       </p:grpSpPr>
+      <p:grpSp>
+        <p:nvGrpSpPr>
+          <p:cNvPr id="87" name="Group 6"/>
+          <p:cNvGrpSpPr/>
+          <p:nvPr/>
+        </p:nvGrpSpPr>
+        <p:grpSpPr>
+          <a:xfrm>
+            <a:off x="-15738" y="0"/>
+            <a:ext cx="12229965" cy="6856216"/>
+            <a:chOff x="0" y="0"/>
+            <a:chExt cx="12229964" cy="6856215"/>
+          </a:xfrm>
+        </p:grpSpPr>
+        <p:pic>
+          <p:nvPicPr>
+            <p:cNvPr id="83" name="Picture 7" descr="Picture 7"/>
+            <p:cNvPicPr>
+              <a:picLocks noChangeAspect="1"/>
+            </p:cNvPicPr>
+            <p:nvPr/>
+          </p:nvPicPr>
+          <p:blipFill>
+            <a:blip r:embed="rId2">
+              <a:extLst/>
+            </a:blip>
+            <a:stretch>
+              <a:fillRect/>
+            </a:stretch>
+          </p:blipFill>
+          <p:spPr>
+            <a:xfrm>
+              <a:off x="15736" y="0"/>
+              <a:ext cx="12188828" cy="6856216"/>
+            </a:xfrm>
+            <a:prstGeom prst="rect">
+              <a:avLst/>
+            </a:prstGeom>
+            <a:ln w="12700" cap="flat">
+              <a:noFill/>
+              <a:miter lim="400000"/>
+            </a:ln>
+            <a:effectLst/>
+          </p:spPr>
+        </p:pic>
+        <p:sp>
+          <p:nvSpPr>
+            <p:cNvPr id="84" name="Rectangle 8"/>
+            <p:cNvSpPr/>
+            <p:nvPr/>
+          </p:nvSpPr>
+          <p:spPr>
+            <a:xfrm>
+              <a:off x="623748" y="609600"/>
+              <a:ext cx="10972803" cy="5638802"/>
+            </a:xfrm>
+            <a:prstGeom prst="rect">
+              <a:avLst/>
+            </a:prstGeom>
+            <a:noFill/>
+            <a:ln w="15875" cap="flat">
+              <a:solidFill>
+                <a:schemeClr val="accent1"/>
+              </a:solidFill>
+              <a:prstDash val="solid"/>
+              <a:miter lim="800000"/>
+            </a:ln>
+            <a:effectLst/>
+          </p:spPr>
+          <p:txBody>
+            <a:bodyPr wrap="square" lIns="45718" tIns="45718" rIns="45718" bIns="45718" numCol="1" anchor="t">
+              <a:noAutofit/>
+            </a:bodyPr>
+            <a:lstStyle/>
+            <a:p>
+              <a:pPr>
+                <a:defRPr>
+                  <a:latin typeface="Garamond"/>
+                  <a:ea typeface="Garamond"/>
+                  <a:cs typeface="Garamond"/>
+                  <a:sym typeface="Garamond"/>
+                </a:defRPr>
+              </a:pPr>
+            </a:p>
+          </p:txBody>
+        </p:sp>
+        <p:pic>
+          <p:nvPicPr>
+            <p:cNvPr id="85" name="Picture 9" descr="Picture 9"/>
+            <p:cNvPicPr>
+              <a:picLocks noChangeAspect="1"/>
+            </p:cNvPicPr>
+            <p:nvPr/>
+          </p:nvPicPr>
+          <p:blipFill>
+            <a:blip r:embed="rId3">
+              <a:extLst/>
+            </a:blip>
+            <a:stretch>
+              <a:fillRect/>
+            </a:stretch>
+          </p:blipFill>
+          <p:spPr>
+            <a:xfrm>
+              <a:off x="-1" y="3153832"/>
+              <a:ext cx="777242" cy="606427"/>
+            </a:xfrm>
+            <a:prstGeom prst="rect">
+              <a:avLst/>
+            </a:prstGeom>
+            <a:ln w="12700" cap="flat">
+              <a:noFill/>
+              <a:miter lim="400000"/>
+            </a:ln>
+            <a:effectLst/>
+          </p:spPr>
+        </p:pic>
+        <p:pic>
+          <p:nvPicPr>
+            <p:cNvPr id="86" name="Picture 10" descr="Picture 10"/>
+            <p:cNvPicPr>
+              <a:picLocks noChangeAspect="1"/>
+            </p:cNvPicPr>
+            <p:nvPr/>
+          </p:nvPicPr>
+          <p:blipFill>
+            <a:blip r:embed="rId3">
+              <a:extLst/>
+            </a:blip>
+            <a:stretch>
+              <a:fillRect/>
+            </a:stretch>
+          </p:blipFill>
+          <p:spPr>
+            <a:xfrm>
+              <a:off x="11452722" y="3153832"/>
+              <a:ext cx="777242" cy="606427"/>
+            </a:xfrm>
+            <a:prstGeom prst="rect">
+              <a:avLst/>
+            </a:prstGeom>
+            <a:ln w="12700" cap="flat">
+              <a:noFill/>
+              <a:miter lim="400000"/>
+            </a:ln>
+            <a:effectLst/>
+          </p:spPr>
+        </p:pic>
+      </p:grpSp>
       <p:sp>
         <p:nvSpPr>
-          <p:cNvPr id="81" name="Slide Number"/>
+          <p:cNvPr id="88" name="Slide Number"/>
           <p:cNvSpPr txBox="1"/>
           <p:nvPr>
             <p:ph type="sldNum" sz="quarter" idx="2"/>
@@ -3260,7 +4311,7 @@
 </file>
 
 <file path=ppt/slideLayouts/slideLayout8.xml><?xml version="1.0" encoding="utf-8"?>
-<p:sldLayout xmlns:a="http://schemas.openxmlformats.org/drawingml/2006/main" xmlns:r="http://schemas.openxmlformats.org/officeDocument/2006/relationships" xmlns:p="http://schemas.openxmlformats.org/presentationml/2006/main" xmlns:m="http://schemas.openxmlformats.org/officeDocument/2006/math" xmlns:a14="http://schemas.microsoft.com/office/drawing/2010/main" type="tx" showMasterSp="1" showMasterPhAnim="1">
+<p:sldLayout xmlns:a="http://schemas.openxmlformats.org/drawingml/2006/main" xmlns:r="http://schemas.openxmlformats.org/officeDocument/2006/relationships" xmlns:p="http://schemas.openxmlformats.org/presentationml/2006/main" xmlns:m="http://schemas.openxmlformats.org/officeDocument/2006/math" xmlns:a14="http://schemas.microsoft.com/office/drawing/2010/main" type="tx" showMasterSp="0" showMasterPhAnim="1">
   <p:cSld name="Content with Caption">
     <p:spTree>
       <p:nvGrpSpPr>
@@ -3276,9 +4327,158 @@
           <a:chExt cx="0" cy="0"/>
         </a:xfrm>
       </p:grpSpPr>
+      <p:grpSp>
+        <p:nvGrpSpPr>
+          <p:cNvPr id="99" name="Group 6"/>
+          <p:cNvGrpSpPr/>
+          <p:nvPr/>
+        </p:nvGrpSpPr>
+        <p:grpSpPr>
+          <a:xfrm>
+            <a:off x="-15738" y="0"/>
+            <a:ext cx="12229965" cy="6856216"/>
+            <a:chOff x="0" y="0"/>
+            <a:chExt cx="12229964" cy="6856215"/>
+          </a:xfrm>
+        </p:grpSpPr>
+        <p:pic>
+          <p:nvPicPr>
+            <p:cNvPr id="95" name="Picture 7" descr="Picture 7"/>
+            <p:cNvPicPr>
+              <a:picLocks noChangeAspect="1"/>
+            </p:cNvPicPr>
+            <p:nvPr/>
+          </p:nvPicPr>
+          <p:blipFill>
+            <a:blip r:embed="rId2">
+              <a:extLst/>
+            </a:blip>
+            <a:stretch>
+              <a:fillRect/>
+            </a:stretch>
+          </p:blipFill>
+          <p:spPr>
+            <a:xfrm>
+              <a:off x="15736" y="0"/>
+              <a:ext cx="12188828" cy="6856216"/>
+            </a:xfrm>
+            <a:prstGeom prst="rect">
+              <a:avLst/>
+            </a:prstGeom>
+            <a:ln w="12700" cap="flat">
+              <a:noFill/>
+              <a:miter lim="400000"/>
+            </a:ln>
+            <a:effectLst/>
+          </p:spPr>
+        </p:pic>
+        <p:sp>
+          <p:nvSpPr>
+            <p:cNvPr id="96" name="Rectangle 8"/>
+            <p:cNvSpPr/>
+            <p:nvPr/>
+          </p:nvSpPr>
+          <p:spPr>
+            <a:xfrm>
+              <a:off x="623748" y="609600"/>
+              <a:ext cx="10972803" cy="5638802"/>
+            </a:xfrm>
+            <a:prstGeom prst="rect">
+              <a:avLst/>
+            </a:prstGeom>
+            <a:noFill/>
+            <a:ln w="15875" cap="flat">
+              <a:solidFill>
+                <a:schemeClr val="accent1"/>
+              </a:solidFill>
+              <a:prstDash val="solid"/>
+              <a:miter lim="800000"/>
+            </a:ln>
+            <a:effectLst/>
+          </p:spPr>
+          <p:txBody>
+            <a:bodyPr wrap="square" lIns="45718" tIns="45718" rIns="45718" bIns="45718" numCol="1" anchor="t">
+              <a:noAutofit/>
+            </a:bodyPr>
+            <a:lstStyle/>
+            <a:p>
+              <a:pPr>
+                <a:defRPr>
+                  <a:latin typeface="Garamond"/>
+                  <a:ea typeface="Garamond"/>
+                  <a:cs typeface="Garamond"/>
+                  <a:sym typeface="Garamond"/>
+                </a:defRPr>
+              </a:pPr>
+            </a:p>
+          </p:txBody>
+        </p:sp>
+        <p:pic>
+          <p:nvPicPr>
+            <p:cNvPr id="97" name="Picture 9" descr="Picture 9"/>
+            <p:cNvPicPr>
+              <a:picLocks noChangeAspect="1"/>
+            </p:cNvPicPr>
+            <p:nvPr/>
+          </p:nvPicPr>
+          <p:blipFill>
+            <a:blip r:embed="rId3">
+              <a:extLst/>
+            </a:blip>
+            <a:stretch>
+              <a:fillRect/>
+            </a:stretch>
+          </p:blipFill>
+          <p:spPr>
+            <a:xfrm>
+              <a:off x="-1" y="3153832"/>
+              <a:ext cx="777242" cy="606427"/>
+            </a:xfrm>
+            <a:prstGeom prst="rect">
+              <a:avLst/>
+            </a:prstGeom>
+            <a:ln w="12700" cap="flat">
+              <a:noFill/>
+              <a:miter lim="400000"/>
+            </a:ln>
+            <a:effectLst/>
+          </p:spPr>
+        </p:pic>
+        <p:pic>
+          <p:nvPicPr>
+            <p:cNvPr id="98" name="Picture 10" descr="Picture 10"/>
+            <p:cNvPicPr>
+              <a:picLocks noChangeAspect="1"/>
+            </p:cNvPicPr>
+            <p:nvPr/>
+          </p:nvPicPr>
+          <p:blipFill>
+            <a:blip r:embed="rId3">
+              <a:extLst/>
+            </a:blip>
+            <a:stretch>
+              <a:fillRect/>
+            </a:stretch>
+          </p:blipFill>
+          <p:spPr>
+            <a:xfrm>
+              <a:off x="11452722" y="3153832"/>
+              <a:ext cx="777242" cy="606427"/>
+            </a:xfrm>
+            <a:prstGeom prst="rect">
+              <a:avLst/>
+            </a:prstGeom>
+            <a:ln w="12700" cap="flat">
+              <a:noFill/>
+              <a:miter lim="400000"/>
+            </a:ln>
+            <a:effectLst/>
+          </p:spPr>
+        </p:pic>
+      </p:grpSp>
       <p:sp>
         <p:nvSpPr>
-          <p:cNvPr id="88" name="Title Text"/>
+          <p:cNvPr id="100" name="Title Text"/>
           <p:cNvSpPr txBox="1"/>
           <p:nvPr>
             <p:ph type="title"/>
@@ -3287,7 +4487,7 @@
         <p:spPr>
           <a:xfrm>
             <a:off x="1293811" y="1388534"/>
-            <a:ext cx="3718455" cy="1371601"/>
+            <a:ext cx="3718455" cy="1371602"/>
           </a:xfrm>
           <a:prstGeom prst="rect">
             <a:avLst/>
@@ -3310,7 +4510,7 @@
       </p:sp>
       <p:sp>
         <p:nvSpPr>
-          <p:cNvPr id="89" name="Body Level One…"/>
+          <p:cNvPr id="101" name="Body Level One…"/>
           <p:cNvSpPr txBox="1"/>
           <p:nvPr>
             <p:ph type="body" sz="half" idx="1"/>
@@ -3319,7 +4519,7 @@
         <p:spPr>
           <a:xfrm>
             <a:off x="5418668" y="982131"/>
-            <a:ext cx="5469467" cy="4893736"/>
+            <a:ext cx="5469468" cy="4893737"/>
           </a:xfrm>
           <a:prstGeom prst="rect">
             <a:avLst/>
@@ -3362,7 +4562,7 @@
       </p:sp>
       <p:sp>
         <p:nvSpPr>
-          <p:cNvPr id="90" name="Text Placeholder 3"/>
+          <p:cNvPr id="102" name="Text Placeholder 3"/>
           <p:cNvSpPr/>
           <p:nvPr>
             <p:ph type="body" sz="quarter" idx="13"/>
@@ -3371,7 +4571,7 @@
         <p:spPr>
           <a:xfrm>
             <a:off x="1293811" y="3031064"/>
-            <a:ext cx="3718455" cy="2438406"/>
+            <a:ext cx="3718455" cy="2438407"/>
           </a:xfrm>
           <a:prstGeom prst="rect">
             <a:avLst/>
@@ -3381,26 +4581,20 @@
           <a:bodyPr/>
           <a:lstStyle/>
           <a:p>
-            <a:pPr marL="0" indent="0" algn="ctr">
-              <a:buClrTx/>
-              <a:buSzTx/>
-              <a:buFontTx/>
-              <a:buNone/>
-              <a:defRPr sz="1600"/>
-            </a:pPr>
+            <a:pPr/>
           </a:p>
         </p:txBody>
       </p:sp>
       <p:sp>
         <p:nvSpPr>
-          <p:cNvPr id="91" name="Straight Connector 15"/>
+          <p:cNvPr id="103" name="Straight Connector 15"/>
           <p:cNvSpPr/>
           <p:nvPr/>
         </p:nvSpPr>
         <p:spPr>
           <a:xfrm>
             <a:off x="1396169" y="2912533"/>
-            <a:ext cx="3514499" cy="1"/>
+            <a:ext cx="3514500" cy="2"/>
           </a:xfrm>
           <a:prstGeom prst="line">
             <a:avLst/>
@@ -3412,7 +4606,7 @@
           </a:ln>
         </p:spPr>
         <p:txBody>
-          <a:bodyPr lIns="45719" rIns="45719"/>
+          <a:bodyPr lIns="45718" tIns="45718" rIns="45718" bIns="45718"/>
           <a:lstStyle/>
           <a:p>
             <a:pPr/>
@@ -3421,7 +4615,7 @@
       </p:sp>
       <p:sp>
         <p:nvSpPr>
-          <p:cNvPr id="92" name="Slide Number"/>
+          <p:cNvPr id="104" name="Slide Number"/>
           <p:cNvSpPr txBox="1"/>
           <p:nvPr>
             <p:ph type="sldNum" sz="quarter" idx="2"/>
@@ -3451,7 +4645,7 @@
 </file>
 
 <file path=ppt/slideLayouts/slideLayout9.xml><?xml version="1.0" encoding="utf-8"?>
-<p:sldLayout xmlns:a="http://schemas.openxmlformats.org/drawingml/2006/main" xmlns:r="http://schemas.openxmlformats.org/officeDocument/2006/relationships" xmlns:p="http://schemas.openxmlformats.org/presentationml/2006/main" xmlns:m="http://schemas.openxmlformats.org/officeDocument/2006/math" xmlns:a14="http://schemas.microsoft.com/office/drawing/2010/main" type="tx" showMasterSp="1" showMasterPhAnim="1">
+<p:sldLayout xmlns:a="http://schemas.openxmlformats.org/drawingml/2006/main" xmlns:r="http://schemas.openxmlformats.org/officeDocument/2006/relationships" xmlns:p="http://schemas.openxmlformats.org/presentationml/2006/main" xmlns:m="http://schemas.openxmlformats.org/officeDocument/2006/math" xmlns:a14="http://schemas.microsoft.com/office/drawing/2010/main" type="tx" showMasterSp="0" showMasterPhAnim="1">
   <p:cSld name="Picture with Caption">
     <p:spTree>
       <p:nvGrpSpPr>
@@ -3467,9 +4661,158 @@
           <a:chExt cx="0" cy="0"/>
         </a:xfrm>
       </p:grpSpPr>
+      <p:grpSp>
+        <p:nvGrpSpPr>
+          <p:cNvPr id="115" name="Group 6"/>
+          <p:cNvGrpSpPr/>
+          <p:nvPr/>
+        </p:nvGrpSpPr>
+        <p:grpSpPr>
+          <a:xfrm>
+            <a:off x="-15738" y="0"/>
+            <a:ext cx="12229965" cy="6856216"/>
+            <a:chOff x="0" y="0"/>
+            <a:chExt cx="12229964" cy="6856215"/>
+          </a:xfrm>
+        </p:grpSpPr>
+        <p:pic>
+          <p:nvPicPr>
+            <p:cNvPr id="111" name="Picture 7" descr="Picture 7"/>
+            <p:cNvPicPr>
+              <a:picLocks noChangeAspect="1"/>
+            </p:cNvPicPr>
+            <p:nvPr/>
+          </p:nvPicPr>
+          <p:blipFill>
+            <a:blip r:embed="rId2">
+              <a:extLst/>
+            </a:blip>
+            <a:stretch>
+              <a:fillRect/>
+            </a:stretch>
+          </p:blipFill>
+          <p:spPr>
+            <a:xfrm>
+              <a:off x="15736" y="0"/>
+              <a:ext cx="12188828" cy="6856216"/>
+            </a:xfrm>
+            <a:prstGeom prst="rect">
+              <a:avLst/>
+            </a:prstGeom>
+            <a:ln w="12700" cap="flat">
+              <a:noFill/>
+              <a:miter lim="400000"/>
+            </a:ln>
+            <a:effectLst/>
+          </p:spPr>
+        </p:pic>
+        <p:sp>
+          <p:nvSpPr>
+            <p:cNvPr id="112" name="Rectangle 8"/>
+            <p:cNvSpPr/>
+            <p:nvPr/>
+          </p:nvSpPr>
+          <p:spPr>
+            <a:xfrm>
+              <a:off x="623748" y="609600"/>
+              <a:ext cx="10972803" cy="5638802"/>
+            </a:xfrm>
+            <a:prstGeom prst="rect">
+              <a:avLst/>
+            </a:prstGeom>
+            <a:noFill/>
+            <a:ln w="15875" cap="flat">
+              <a:solidFill>
+                <a:schemeClr val="accent1"/>
+              </a:solidFill>
+              <a:prstDash val="solid"/>
+              <a:miter lim="800000"/>
+            </a:ln>
+            <a:effectLst/>
+          </p:spPr>
+          <p:txBody>
+            <a:bodyPr wrap="square" lIns="45718" tIns="45718" rIns="45718" bIns="45718" numCol="1" anchor="t">
+              <a:noAutofit/>
+            </a:bodyPr>
+            <a:lstStyle/>
+            <a:p>
+              <a:pPr>
+                <a:defRPr>
+                  <a:latin typeface="Garamond"/>
+                  <a:ea typeface="Garamond"/>
+                  <a:cs typeface="Garamond"/>
+                  <a:sym typeface="Garamond"/>
+                </a:defRPr>
+              </a:pPr>
+            </a:p>
+          </p:txBody>
+        </p:sp>
+        <p:pic>
+          <p:nvPicPr>
+            <p:cNvPr id="113" name="Picture 9" descr="Picture 9"/>
+            <p:cNvPicPr>
+              <a:picLocks noChangeAspect="1"/>
+            </p:cNvPicPr>
+            <p:nvPr/>
+          </p:nvPicPr>
+          <p:blipFill>
+            <a:blip r:embed="rId3">
+              <a:extLst/>
+            </a:blip>
+            <a:stretch>
+              <a:fillRect/>
+            </a:stretch>
+          </p:blipFill>
+          <p:spPr>
+            <a:xfrm>
+              <a:off x="-1" y="3153832"/>
+              <a:ext cx="777242" cy="606427"/>
+            </a:xfrm>
+            <a:prstGeom prst="rect">
+              <a:avLst/>
+            </a:prstGeom>
+            <a:ln w="12700" cap="flat">
+              <a:noFill/>
+              <a:miter lim="400000"/>
+            </a:ln>
+            <a:effectLst/>
+          </p:spPr>
+        </p:pic>
+        <p:pic>
+          <p:nvPicPr>
+            <p:cNvPr id="114" name="Picture 10" descr="Picture 10"/>
+            <p:cNvPicPr>
+              <a:picLocks noChangeAspect="1"/>
+            </p:cNvPicPr>
+            <p:nvPr/>
+          </p:nvPicPr>
+          <p:blipFill>
+            <a:blip r:embed="rId3">
+              <a:extLst/>
+            </a:blip>
+            <a:stretch>
+              <a:fillRect/>
+            </a:stretch>
+          </p:blipFill>
+          <p:spPr>
+            <a:xfrm>
+              <a:off x="11452722" y="3153832"/>
+              <a:ext cx="777242" cy="606427"/>
+            </a:xfrm>
+            <a:prstGeom prst="rect">
+              <a:avLst/>
+            </a:prstGeom>
+            <a:ln w="12700" cap="flat">
+              <a:noFill/>
+              <a:miter lim="400000"/>
+            </a:ln>
+            <a:effectLst/>
+          </p:spPr>
+        </p:pic>
+      </p:grpSp>
       <p:sp>
         <p:nvSpPr>
-          <p:cNvPr id="99" name="Title Text"/>
+          <p:cNvPr id="116" name="Title Text"/>
           <p:cNvSpPr txBox="1"/>
           <p:nvPr>
             <p:ph type="title"/>
@@ -3477,8 +4820,8 @@
         </p:nvSpPr>
         <p:spPr>
           <a:xfrm>
-            <a:off x="1295399" y="1883831"/>
-            <a:ext cx="6241816" cy="1371601"/>
+            <a:off x="1295399" y="1883830"/>
+            <a:ext cx="6241816" cy="1371602"/>
           </a:xfrm>
           <a:prstGeom prst="rect">
             <a:avLst/>
@@ -3501,7 +4844,7 @@
       </p:sp>
       <p:sp>
         <p:nvSpPr>
-          <p:cNvPr id="100" name="Picture Placeholder 2"/>
+          <p:cNvPr id="117" name="Picture Placeholder 2"/>
           <p:cNvSpPr/>
           <p:nvPr>
             <p:ph type="pic" sz="quarter" idx="13"/>
@@ -3509,8 +4852,8 @@
         </p:nvSpPr>
         <p:spPr>
           <a:xfrm>
-            <a:off x="8094830" y="1041400"/>
-            <a:ext cx="3063348" cy="4775200"/>
+            <a:off x="8094829" y="1041400"/>
+            <a:ext cx="3063350" cy="4775200"/>
           </a:xfrm>
           <a:prstGeom prst="rect">
             <a:avLst/>
@@ -3523,7 +4866,7 @@
           </a:ln>
         </p:spPr>
         <p:txBody>
-          <a:bodyPr lIns="91439" rIns="91439">
+          <a:bodyPr lIns="91439" tIns="45719" rIns="91439" bIns="45719">
             <a:noAutofit/>
           </a:bodyPr>
           <a:lstStyle/>
@@ -3534,7 +4877,7 @@
       </p:sp>
       <p:sp>
         <p:nvSpPr>
-          <p:cNvPr id="101" name="Body Level One…"/>
+          <p:cNvPr id="118" name="Body Level One…"/>
           <p:cNvSpPr txBox="1"/>
           <p:nvPr>
             <p:ph type="body" sz="quarter" idx="1"/>
@@ -3543,7 +4886,7 @@
         <p:spPr>
           <a:xfrm>
             <a:off x="1295399" y="3255431"/>
-            <a:ext cx="6241816" cy="1828801"/>
+            <a:ext cx="6241816" cy="1828802"/>
           </a:xfrm>
           <a:prstGeom prst="rect">
             <a:avLst/>
@@ -3559,28 +4902,28 @@
               <a:buNone/>
               <a:defRPr sz="1800"/>
             </a:lvl1pPr>
-            <a:lvl2pPr marL="0" indent="457200" algn="ctr">
+            <a:lvl2pPr marL="0" indent="0" algn="ctr">
               <a:buClrTx/>
               <a:buSzTx/>
               <a:buFontTx/>
               <a:buNone/>
               <a:defRPr sz="1800"/>
             </a:lvl2pPr>
-            <a:lvl3pPr marL="0" indent="914400" algn="ctr">
+            <a:lvl3pPr marL="0" indent="0" algn="ctr">
               <a:buClrTx/>
               <a:buSzTx/>
               <a:buFontTx/>
               <a:buNone/>
               <a:defRPr sz="1800"/>
             </a:lvl3pPr>
-            <a:lvl4pPr marL="0" indent="1371600" algn="ctr">
+            <a:lvl4pPr marL="0" indent="0" algn="ctr">
               <a:buClrTx/>
               <a:buSzTx/>
               <a:buFontTx/>
               <a:buNone/>
               <a:defRPr sz="1800"/>
             </a:lvl4pPr>
-            <a:lvl5pPr marL="0" indent="1828800" algn="ctr">
+            <a:lvl5pPr marL="0" indent="0" algn="ctr">
               <a:buClrTx/>
               <a:buSzTx/>
               <a:buFontTx/>
@@ -3622,7 +4965,7 @@
       </p:sp>
       <p:sp>
         <p:nvSpPr>
-          <p:cNvPr id="102" name="Slide Number"/>
+          <p:cNvPr id="119" name="Slide Number"/>
           <p:cNvSpPr txBox="1"/>
           <p:nvPr>
             <p:ph type="sldNum" sz="quarter" idx="2"/>
@@ -3687,10 +5030,10 @@
         </p:nvGrpSpPr>
         <p:grpSpPr>
           <a:xfrm>
-            <a:off x="-15737" y="0"/>
-            <a:ext cx="12229963" cy="6856215"/>
+            <a:off x="-15738" y="0"/>
+            <a:ext cx="12229965" cy="6856216"/>
             <a:chOff x="0" y="0"/>
-            <a:chExt cx="12229961" cy="6856214"/>
+            <a:chExt cx="12229964" cy="6856215"/>
           </a:xfrm>
         </p:grpSpPr>
         <p:pic>
@@ -3712,7 +5055,7 @@
           <p:spPr>
             <a:xfrm>
               <a:off x="15736" y="0"/>
-              <a:ext cx="12188826" cy="6856215"/>
+              <a:ext cx="12188828" cy="6856216"/>
             </a:xfrm>
             <a:prstGeom prst="rect">
               <a:avLst/>
@@ -3733,7 +5076,7 @@
           <p:spPr>
             <a:xfrm>
               <a:off x="623748" y="609600"/>
-              <a:ext cx="10972801" cy="5638801"/>
+              <a:ext cx="10972803" cy="5638802"/>
             </a:xfrm>
             <a:prstGeom prst="rect">
               <a:avLst/>
@@ -3749,12 +5092,19 @@
             <a:effectLst/>
           </p:spPr>
           <p:txBody>
-            <a:bodyPr wrap="square" lIns="45719" tIns="45719" rIns="45719" bIns="45719" numCol="1" anchor="t">
+            <a:bodyPr wrap="square" lIns="45718" tIns="45718" rIns="45718" bIns="45718" numCol="1" anchor="t">
               <a:noAutofit/>
             </a:bodyPr>
             <a:lstStyle/>
             <a:p>
-              <a:pPr/>
+              <a:pPr>
+                <a:defRPr>
+                  <a:latin typeface="Garamond"/>
+                  <a:ea typeface="Garamond"/>
+                  <a:cs typeface="Garamond"/>
+                  <a:sym typeface="Garamond"/>
+                </a:defRPr>
+              </a:pPr>
             </a:p>
           </p:txBody>
         </p:sp>
@@ -3777,7 +5127,7 @@
           <p:spPr>
             <a:xfrm>
               <a:off x="-1" y="3153832"/>
-              <a:ext cx="777241" cy="606426"/>
+              <a:ext cx="777242" cy="606427"/>
             </a:xfrm>
             <a:prstGeom prst="rect">
               <a:avLst/>
@@ -3807,8 +5157,8 @@
           </p:blipFill>
           <p:spPr>
             <a:xfrm>
-              <a:off x="11452721" y="3153832"/>
-              <a:ext cx="777241" cy="606426"/>
+              <a:off x="11452722" y="3153832"/>
+              <a:ext cx="777242" cy="606427"/>
             </a:xfrm>
             <a:prstGeom prst="rect">
               <a:avLst/>
@@ -3831,8 +5181,8 @@
         </p:nvSpPr>
         <p:spPr>
           <a:xfrm>
-            <a:off x="609600" y="92074"/>
-            <a:ext cx="10972800" cy="1508126"/>
+            <a:off x="1295402" y="982132"/>
+            <a:ext cx="9601197" cy="1303868"/>
           </a:xfrm>
           <a:prstGeom prst="rect">
             <a:avLst/>
@@ -3847,7 +5197,7 @@
           </a:extLst>
         </p:spPr>
         <p:txBody>
-          <a:bodyPr lIns="45719" rIns="45719" anchor="ctr">
+          <a:bodyPr lIns="45718" tIns="45718" rIns="45718" bIns="45718" anchor="ctr">
             <a:normAutofit fontScale="100000" lnSpcReduction="0"/>
           </a:bodyPr>
           <a:lstStyle/>
@@ -3861,7 +5211,35 @@
       </p:sp>
       <p:sp>
         <p:nvSpPr>
-          <p:cNvPr id="8" name="Body Level One…"/>
+          <p:cNvPr id="8" name="Straight Connector 13"/>
+          <p:cNvSpPr/>
+          <p:nvPr/>
+        </p:nvSpPr>
+        <p:spPr>
+          <a:xfrm>
+            <a:off x="1396169" y="2421464"/>
+            <a:ext cx="9407299" cy="2"/>
+          </a:xfrm>
+          <a:prstGeom prst="line">
+            <a:avLst/>
+          </a:prstGeom>
+          <a:ln w="15875">
+            <a:solidFill>
+              <a:schemeClr val="accent1"/>
+            </a:solidFill>
+          </a:ln>
+        </p:spPr>
+        <p:txBody>
+          <a:bodyPr lIns="45718" tIns="45718" rIns="45718" bIns="45718"/>
+          <a:lstStyle/>
+          <a:p>
+            <a:pPr/>
+          </a:p>
+        </p:txBody>
+      </p:sp>
+      <p:sp>
+        <p:nvSpPr>
+          <p:cNvPr id="9" name="Body Level One…"/>
           <p:cNvSpPr txBox="1"/>
           <p:nvPr>
             <p:ph type="body" idx="1"/>
@@ -3869,8 +5247,8 @@
         </p:nvSpPr>
         <p:spPr>
           <a:xfrm>
-            <a:off x="609600" y="1600200"/>
-            <a:ext cx="10972800" cy="5257800"/>
+            <a:off x="6805083" y="2438400"/>
+            <a:ext cx="4775201" cy="4419600"/>
           </a:xfrm>
           <a:prstGeom prst="rect">
             <a:avLst/>
@@ -3885,7 +5263,7 @@
           </a:extLst>
         </p:spPr>
         <p:txBody>
-          <a:bodyPr lIns="45719" rIns="45719">
+          <a:bodyPr lIns="45718" tIns="45718" rIns="45718" bIns="45718">
             <a:normAutofit fontScale="100000" lnSpcReduction="0"/>
           </a:bodyPr>
           <a:lstStyle/>
@@ -3923,7 +5301,7 @@
       </p:sp>
       <p:sp>
         <p:nvSpPr>
-          <p:cNvPr id="9" name="Slide Number"/>
+          <p:cNvPr id="10" name="Slide Number"/>
           <p:cNvSpPr txBox="1"/>
           <p:nvPr>
             <p:ph type="sldNum" sz="quarter" idx="2"/>
@@ -3931,8 +5309,8 @@
         </p:nvSpPr>
         <p:spPr>
           <a:xfrm>
-            <a:off x="10673395" y="5986779"/>
-            <a:ext cx="223204" cy="243841"/>
+            <a:off x="10673398" y="5986780"/>
+            <a:ext cx="223202" cy="243839"/>
           </a:xfrm>
           <a:prstGeom prst="rect">
             <a:avLst/>
@@ -3942,12 +5320,17 @@
           </a:ln>
         </p:spPr>
         <p:txBody>
-          <a:bodyPr wrap="none" lIns="45719" rIns="45719" anchor="ctr">
+          <a:bodyPr wrap="none" lIns="45718" tIns="45718" rIns="45718" bIns="45718" anchor="ctr">
             <a:spAutoFit/>
           </a:bodyPr>
           <a:lstStyle>
             <a:lvl1pPr algn="r">
-              <a:defRPr sz="1000"/>
+              <a:defRPr sz="1000">
+                <a:latin typeface="Garamond"/>
+                <a:ea typeface="Garamond"/>
+                <a:cs typeface="Garamond"/>
+                <a:sym typeface="Garamond"/>
+              </a:defRPr>
             </a:lvl1pPr>
           </a:lstStyle>
           <a:p>
@@ -4355,7 +5738,7 @@
           <a:sym typeface="Garamond"/>
         </a:defRPr>
       </a:lvl5pPr>
-      <a:lvl6pPr marL="2677885" marR="0" indent="-391885" algn="l" defTabSz="457200" rtl="0" latinLnBrk="0">
+      <a:lvl6pPr marL="2677884" marR="0" indent="-391884" algn="l" defTabSz="457200" rtl="0" latinLnBrk="0">
         <a:lnSpc>
           <a:spcPct val="100000"/>
         </a:lnSpc>
@@ -4383,7 +5766,7 @@
           <a:sym typeface="Garamond"/>
         </a:defRPr>
       </a:lvl6pPr>
-      <a:lvl7pPr marL="3135085" marR="0" indent="-391885" algn="l" defTabSz="457200" rtl="0" latinLnBrk="0">
+      <a:lvl7pPr marL="3135084" marR="0" indent="-391884" algn="l" defTabSz="457200" rtl="0" latinLnBrk="0">
         <a:lnSpc>
           <a:spcPct val="100000"/>
         </a:lnSpc>
@@ -4411,7 +5794,7 @@
           <a:sym typeface="Garamond"/>
         </a:defRPr>
       </a:lvl7pPr>
-      <a:lvl8pPr marL="3592285" marR="0" indent="-391885" algn="l" defTabSz="457200" rtl="0" latinLnBrk="0">
+      <a:lvl8pPr marL="3592284" marR="0" indent="-391884" algn="l" defTabSz="457200" rtl="0" latinLnBrk="0">
         <a:lnSpc>
           <a:spcPct val="100000"/>
         </a:lnSpc>
@@ -4439,7 +5822,7 @@
           <a:sym typeface="Garamond"/>
         </a:defRPr>
       </a:lvl8pPr>
-      <a:lvl9pPr marL="4049485" marR="0" indent="-391885" algn="l" defTabSz="457200" rtl="0" latinLnBrk="0">
+      <a:lvl9pPr marL="4049484" marR="0" indent="-391884" algn="l" defTabSz="457200" rtl="0" latinLnBrk="0">
         <a:lnSpc>
           <a:spcPct val="100000"/>
         </a:lnSpc>
@@ -4495,7 +5878,7 @@
           <a:sym typeface="Garamond"/>
         </a:defRPr>
       </a:lvl1pPr>
-      <a:lvl2pPr marL="0" marR="0" indent="457200" algn="r" defTabSz="457200" rtl="0" latinLnBrk="0">
+      <a:lvl2pPr marL="0" marR="0" indent="0" algn="r" defTabSz="457200" rtl="0" latinLnBrk="0">
         <a:lnSpc>
           <a:spcPct val="100000"/>
         </a:lnSpc>
@@ -4521,7 +5904,7 @@
           <a:sym typeface="Garamond"/>
         </a:defRPr>
       </a:lvl2pPr>
-      <a:lvl3pPr marL="0" marR="0" indent="914400" algn="r" defTabSz="457200" rtl="0" latinLnBrk="0">
+      <a:lvl3pPr marL="0" marR="0" indent="0" algn="r" defTabSz="457200" rtl="0" latinLnBrk="0">
         <a:lnSpc>
           <a:spcPct val="100000"/>
         </a:lnSpc>
@@ -4547,7 +5930,7 @@
           <a:sym typeface="Garamond"/>
         </a:defRPr>
       </a:lvl3pPr>
-      <a:lvl4pPr marL="0" marR="0" indent="1371600" algn="r" defTabSz="457200" rtl="0" latinLnBrk="0">
+      <a:lvl4pPr marL="0" marR="0" indent="0" algn="r" defTabSz="457200" rtl="0" latinLnBrk="0">
         <a:lnSpc>
           <a:spcPct val="100000"/>
         </a:lnSpc>
@@ -4573,7 +5956,7 @@
           <a:sym typeface="Garamond"/>
         </a:defRPr>
       </a:lvl4pPr>
-      <a:lvl5pPr marL="0" marR="0" indent="1828800" algn="r" defTabSz="457200" rtl="0" latinLnBrk="0">
+      <a:lvl5pPr marL="0" marR="0" indent="0" algn="r" defTabSz="457200" rtl="0" latinLnBrk="0">
         <a:lnSpc>
           <a:spcPct val="100000"/>
         </a:lnSpc>
@@ -4599,7 +5982,7 @@
           <a:sym typeface="Garamond"/>
         </a:defRPr>
       </a:lvl5pPr>
-      <a:lvl6pPr marL="0" marR="0" indent="2286000" algn="r" defTabSz="457200" rtl="0" latinLnBrk="0">
+      <a:lvl6pPr marL="0" marR="0" indent="0" algn="r" defTabSz="457200" rtl="0" latinLnBrk="0">
         <a:lnSpc>
           <a:spcPct val="100000"/>
         </a:lnSpc>
@@ -4625,7 +6008,7 @@
           <a:sym typeface="Garamond"/>
         </a:defRPr>
       </a:lvl6pPr>
-      <a:lvl7pPr marL="0" marR="0" indent="2743200" algn="r" defTabSz="457200" rtl="0" latinLnBrk="0">
+      <a:lvl7pPr marL="0" marR="0" indent="0" algn="r" defTabSz="457200" rtl="0" latinLnBrk="0">
         <a:lnSpc>
           <a:spcPct val="100000"/>
         </a:lnSpc>
@@ -4651,7 +6034,7 @@
           <a:sym typeface="Garamond"/>
         </a:defRPr>
       </a:lvl7pPr>
-      <a:lvl8pPr marL="0" marR="0" indent="3200400" algn="r" defTabSz="457200" rtl="0" latinLnBrk="0">
+      <a:lvl8pPr marL="0" marR="0" indent="0" algn="r" defTabSz="457200" rtl="0" latinLnBrk="0">
         <a:lnSpc>
           <a:spcPct val="100000"/>
         </a:lnSpc>
@@ -4677,7 +6060,7 @@
           <a:sym typeface="Garamond"/>
         </a:defRPr>
       </a:lvl8pPr>
-      <a:lvl9pPr marL="0" marR="0" indent="3657600" algn="r" defTabSz="457200" rtl="0" latinLnBrk="0">
+      <a:lvl9pPr marL="0" marR="0" indent="0" algn="r" defTabSz="457200" rtl="0" latinLnBrk="0">
         <a:lnSpc>
           <a:spcPct val="100000"/>
         </a:lnSpc>
@@ -4727,7 +6110,7 @@
       </p:grpSpPr>
       <p:sp>
         <p:nvSpPr>
-          <p:cNvPr id="177" name="Title 1"/>
+          <p:cNvPr id="224" name="Title 1"/>
           <p:cNvSpPr txBox="1"/>
           <p:nvPr>
             <p:ph type="ctrTitle"/>
@@ -4735,8 +6118,8 @@
         </p:nvSpPr>
         <p:spPr>
           <a:xfrm>
-            <a:off x="2692398" y="1883830"/>
-            <a:ext cx="6815669" cy="1515534"/>
+            <a:off x="2692398" y="1883829"/>
+            <a:ext cx="6815669" cy="1515535"/>
           </a:xfrm>
           <a:prstGeom prst="rect">
             <a:avLst/>
@@ -4745,8 +6128,8 @@
         <p:txBody>
           <a:bodyPr/>
           <a:lstStyle>
-            <a:lvl1pPr defTabSz="425195">
-              <a:defRPr sz="5022"/>
+            <a:lvl1pPr defTabSz="425194">
+              <a:defRPr sz="5000"/>
             </a:lvl1pPr>
           </a:lstStyle>
           <a:p>
@@ -4759,7 +6142,7 @@
       </p:sp>
       <p:sp>
         <p:nvSpPr>
-          <p:cNvPr id="178" name="Subtitle 2"/>
+          <p:cNvPr id="225" name="Subtitle 2"/>
           <p:cNvSpPr txBox="1"/>
           <p:nvPr>
             <p:ph type="subTitle" sz="quarter" idx="1"/>
@@ -4768,7 +6151,7 @@
         <p:spPr>
           <a:xfrm>
             <a:off x="2396836" y="3657596"/>
-            <a:ext cx="2943261" cy="1320803"/>
+            <a:ext cx="2943262" cy="1320804"/>
           </a:xfrm>
           <a:prstGeom prst="rect">
             <a:avLst/>
@@ -4803,7 +6186,7 @@
               <a:defRPr sz="1900"/>
             </a:pPr>
             <a:r>
-              <a:t>Aditi Tivari </a:t>
+              <a:t>Aditi Tiwari </a:t>
             </a:r>
           </a:p>
           <a:p>
@@ -4838,7 +6221,7 @@
       </p:sp>
       <p:pic>
         <p:nvPicPr>
-          <p:cNvPr id="179" name="Picture 8" descr="Picture 8"/>
+          <p:cNvPr id="226" name="Picture 8" descr="Picture 8"/>
           <p:cNvPicPr>
             <a:picLocks noChangeAspect="1"/>
           </p:cNvPicPr>
@@ -4854,8 +6237,8 @@
         </p:blipFill>
         <p:spPr>
           <a:xfrm>
-            <a:off x="2542503" y="4876801"/>
-            <a:ext cx="1605426" cy="395595"/>
+            <a:off x="2542502" y="4876801"/>
+            <a:ext cx="1605427" cy="395596"/>
           </a:xfrm>
           <a:prstGeom prst="rect">
             <a:avLst/>
@@ -4867,7 +6250,7 @@
       </p:pic>
       <p:pic>
         <p:nvPicPr>
-          <p:cNvPr id="180" name="Picture 10" descr="Picture 10"/>
+          <p:cNvPr id="227" name="Picture 10" descr="Picture 10"/>
           <p:cNvPicPr>
             <a:picLocks noChangeAspect="1"/>
           </p:cNvPicPr>
@@ -4884,7 +6267,7 @@
         <p:spPr>
           <a:xfrm>
             <a:off x="8297542" y="4876801"/>
-            <a:ext cx="1356937" cy="395595"/>
+            <a:ext cx="1356938" cy="395596"/>
           </a:xfrm>
           <a:prstGeom prst="rect">
             <a:avLst/>
@@ -4896,14 +6279,14 @@
       </p:pic>
       <p:sp>
         <p:nvSpPr>
-          <p:cNvPr id="181" name="TextBox 4"/>
+          <p:cNvPr id="228" name="TextBox 4"/>
           <p:cNvSpPr txBox="1"/>
           <p:nvPr/>
         </p:nvSpPr>
         <p:spPr>
           <a:xfrm>
-            <a:off x="7607807" y="3657596"/>
-            <a:ext cx="2121409" cy="891541"/>
+            <a:off x="7607806" y="3657596"/>
+            <a:ext cx="2121410" cy="891539"/>
           </a:xfrm>
           <a:prstGeom prst="rect">
             <a:avLst/>
@@ -4918,26 +6301,45 @@
           </a:extLst>
         </p:spPr>
         <p:txBody>
-          <a:bodyPr lIns="45719" rIns="45719">
+          <a:bodyPr lIns="45718" tIns="45718" rIns="45718" bIns="45718">
             <a:spAutoFit/>
           </a:bodyPr>
           <a:lstStyle/>
           <a:p>
             <a:pPr>
-              <a:defRPr b="1"/>
+              <a:defRPr b="1">
+                <a:latin typeface="Garamond"/>
+                <a:ea typeface="Garamond"/>
+                <a:cs typeface="Garamond"/>
+                <a:sym typeface="Garamond"/>
+              </a:defRPr>
             </a:pPr>
             <a:r>
               <a:t>MENTORS:</a:t>
             </a:r>
           </a:p>
           <a:p>
-            <a:pPr/>
+            <a:pPr>
+              <a:defRPr>
+                <a:latin typeface="Garamond"/>
+                <a:ea typeface="Garamond"/>
+                <a:cs typeface="Garamond"/>
+                <a:sym typeface="Garamond"/>
+              </a:defRPr>
+            </a:pPr>
             <a:r>
               <a:t>Dr.Tapas Badal</a:t>
             </a:r>
           </a:p>
           <a:p>
-            <a:pPr/>
+            <a:pPr>
+              <a:defRPr>
+                <a:latin typeface="Garamond"/>
+                <a:ea typeface="Garamond"/>
+                <a:cs typeface="Garamond"/>
+                <a:sym typeface="Garamond"/>
+              </a:defRPr>
+            </a:pPr>
             <a:r>
               <a:t>Mr.Apar Garg</a:t>
             </a:r>
@@ -4972,7 +6374,7 @@
       </p:grpSpPr>
       <p:sp>
         <p:nvSpPr>
-          <p:cNvPr id="183" name="Title 1"/>
+          <p:cNvPr id="230" name="Title 1"/>
           <p:cNvSpPr txBox="1"/>
           <p:nvPr>
             <p:ph type="title"/>
@@ -4981,7 +6383,7 @@
         <p:spPr>
           <a:xfrm>
             <a:off x="1295401" y="982132"/>
-            <a:ext cx="9601198" cy="1303868"/>
+            <a:ext cx="9601198" cy="1303869"/>
           </a:xfrm>
           <a:prstGeom prst="rect">
             <a:avLst/>
@@ -5004,7 +6406,7 @@
       </p:sp>
       <p:sp>
         <p:nvSpPr>
-          <p:cNvPr id="184" name="Content Placeholder 2"/>
+          <p:cNvPr id="231" name="Content Placeholder 2"/>
           <p:cNvSpPr txBox="1"/>
           <p:nvPr>
             <p:ph type="body" sz="half" idx="1"/>
@@ -5012,8 +6414,8 @@
         </p:nvSpPr>
         <p:spPr>
           <a:xfrm>
-            <a:off x="1295400" y="2556931"/>
-            <a:ext cx="9601197" cy="3318938"/>
+            <a:off x="1295400" y="2556930"/>
+            <a:ext cx="9601197" cy="3318939"/>
           </a:xfrm>
           <a:prstGeom prst="rect">
             <a:avLst/>
@@ -5056,7 +6458,7 @@
       </p:sp>
       <p:pic>
         <p:nvPicPr>
-          <p:cNvPr id="185" name="Picture 5" descr="Picture 5"/>
+          <p:cNvPr id="232" name="Picture 5" descr="Picture 5"/>
           <p:cNvPicPr>
             <a:picLocks noChangeAspect="1"/>
           </p:cNvPicPr>
@@ -5073,7 +6475,7 @@
         <p:spPr>
           <a:xfrm>
             <a:off x="765312" y="5774866"/>
-            <a:ext cx="1605426" cy="395595"/>
+            <a:ext cx="1605427" cy="395596"/>
           </a:xfrm>
           <a:prstGeom prst="rect">
             <a:avLst/>
@@ -5085,7 +6487,7 @@
       </p:pic>
       <p:pic>
         <p:nvPicPr>
-          <p:cNvPr id="186" name="Picture 6" descr="Picture 6"/>
+          <p:cNvPr id="233" name="Picture 6" descr="Picture 6"/>
           <p:cNvPicPr>
             <a:picLocks noChangeAspect="1"/>
           </p:cNvPicPr>
@@ -5102,7 +6504,7 @@
         <p:spPr>
           <a:xfrm>
             <a:off x="10069748" y="5751207"/>
-            <a:ext cx="1356937" cy="395595"/>
+            <a:ext cx="1356938" cy="395596"/>
           </a:xfrm>
           <a:prstGeom prst="rect">
             <a:avLst/>
@@ -5140,7 +6542,7 @@
       </p:grpSpPr>
       <p:sp>
         <p:nvSpPr>
-          <p:cNvPr id="188" name="Title 1"/>
+          <p:cNvPr id="235" name="Title 1"/>
           <p:cNvSpPr txBox="1"/>
           <p:nvPr>
             <p:ph type="title"/>
@@ -5149,7 +6551,7 @@
         <p:spPr>
           <a:xfrm>
             <a:off x="1295401" y="982132"/>
-            <a:ext cx="9601198" cy="1303868"/>
+            <a:ext cx="9601198" cy="1303869"/>
           </a:xfrm>
           <a:prstGeom prst="rect">
             <a:avLst/>
@@ -5172,7 +6574,7 @@
       </p:sp>
       <p:sp>
         <p:nvSpPr>
-          <p:cNvPr id="189" name="Content Placeholder 2"/>
+          <p:cNvPr id="236" name="Content Placeholder 2"/>
           <p:cNvSpPr txBox="1"/>
           <p:nvPr>
             <p:ph type="body" sz="half" idx="1"/>
@@ -5180,8 +6582,8 @@
         </p:nvSpPr>
         <p:spPr>
           <a:xfrm>
-            <a:off x="1295400" y="2556931"/>
-            <a:ext cx="9601197" cy="3318938"/>
+            <a:off x="1295400" y="2556930"/>
+            <a:ext cx="9601197" cy="3318939"/>
           </a:xfrm>
           <a:prstGeom prst="rect">
             <a:avLst/>
@@ -5224,7 +6626,7 @@
       </p:sp>
       <p:pic>
         <p:nvPicPr>
-          <p:cNvPr id="190" name="Picture 5" descr="Picture 5"/>
+          <p:cNvPr id="237" name="Picture 5" descr="Picture 5"/>
           <p:cNvPicPr>
             <a:picLocks noChangeAspect="1"/>
           </p:cNvPicPr>
@@ -5241,7 +6643,7 @@
         <p:spPr>
           <a:xfrm>
             <a:off x="765312" y="5774866"/>
-            <a:ext cx="1605426" cy="395595"/>
+            <a:ext cx="1605427" cy="395596"/>
           </a:xfrm>
           <a:prstGeom prst="rect">
             <a:avLst/>
@@ -5253,7 +6655,7 @@
       </p:pic>
       <p:pic>
         <p:nvPicPr>
-          <p:cNvPr id="191" name="Picture 6" descr="Picture 6"/>
+          <p:cNvPr id="238" name="Picture 6" descr="Picture 6"/>
           <p:cNvPicPr>
             <a:picLocks noChangeAspect="1"/>
           </p:cNvPicPr>
@@ -5270,7 +6672,7 @@
         <p:spPr>
           <a:xfrm>
             <a:off x="10069748" y="5751207"/>
-            <a:ext cx="1356937" cy="395595"/>
+            <a:ext cx="1356938" cy="395596"/>
           </a:xfrm>
           <a:prstGeom prst="rect">
             <a:avLst/>
@@ -5308,7 +6710,7 @@
       </p:grpSpPr>
       <p:sp>
         <p:nvSpPr>
-          <p:cNvPr id="193" name="Title 1"/>
+          <p:cNvPr id="240" name="Title 1"/>
           <p:cNvSpPr txBox="1"/>
           <p:nvPr>
             <p:ph type="title"/>
@@ -5317,7 +6719,7 @@
         <p:spPr>
           <a:xfrm>
             <a:off x="1295401" y="982132"/>
-            <a:ext cx="9601198" cy="1303868"/>
+            <a:ext cx="9601198" cy="1303869"/>
           </a:xfrm>
           <a:prstGeom prst="rect">
             <a:avLst/>
@@ -5340,7 +6742,7 @@
       </p:sp>
       <p:sp>
         <p:nvSpPr>
-          <p:cNvPr id="194" name="Content Placeholder 2"/>
+          <p:cNvPr id="241" name="Content Placeholder 2"/>
           <p:cNvSpPr txBox="1"/>
           <p:nvPr>
             <p:ph type="body" sz="half" idx="1"/>
@@ -5348,8 +6750,8 @@
         </p:nvSpPr>
         <p:spPr>
           <a:xfrm>
-            <a:off x="1447800" y="2556931"/>
-            <a:ext cx="9601197" cy="3318938"/>
+            <a:off x="1447800" y="2556930"/>
+            <a:ext cx="9601197" cy="3318939"/>
           </a:xfrm>
           <a:prstGeom prst="rect">
             <a:avLst/>
@@ -5421,7 +6823,7 @@
       </p:sp>
       <p:pic>
         <p:nvPicPr>
-          <p:cNvPr id="195" name="Picture 5" descr="Picture 5"/>
+          <p:cNvPr id="242" name="Picture 5" descr="Picture 5"/>
           <p:cNvPicPr>
             <a:picLocks noChangeAspect="1"/>
           </p:cNvPicPr>
@@ -5438,7 +6840,7 @@
         <p:spPr>
           <a:xfrm>
             <a:off x="765312" y="5774866"/>
-            <a:ext cx="1605426" cy="395595"/>
+            <a:ext cx="1605427" cy="395596"/>
           </a:xfrm>
           <a:prstGeom prst="rect">
             <a:avLst/>
@@ -5450,7 +6852,7 @@
       </p:pic>
       <p:pic>
         <p:nvPicPr>
-          <p:cNvPr id="196" name="Picture 6" descr="Picture 6"/>
+          <p:cNvPr id="243" name="Picture 6" descr="Picture 6"/>
           <p:cNvPicPr>
             <a:picLocks noChangeAspect="1"/>
           </p:cNvPicPr>
@@ -5467,7 +6869,7 @@
         <p:spPr>
           <a:xfrm>
             <a:off x="10069748" y="5751207"/>
-            <a:ext cx="1356937" cy="395595"/>
+            <a:ext cx="1356938" cy="395596"/>
           </a:xfrm>
           <a:prstGeom prst="rect">
             <a:avLst/>
@@ -5505,14 +6907,14 @@
       </p:grpSpPr>
       <p:sp>
         <p:nvSpPr>
-          <p:cNvPr id="198" name="TextBox 1"/>
+          <p:cNvPr id="245" name="TextBox 1"/>
           <p:cNvSpPr txBox="1"/>
           <p:nvPr/>
         </p:nvSpPr>
         <p:spPr>
           <a:xfrm>
-            <a:off x="709029" y="657583"/>
-            <a:ext cx="10773942" cy="2758441"/>
+            <a:off x="709028" y="657582"/>
+            <a:ext cx="10773944" cy="2758439"/>
           </a:xfrm>
           <a:prstGeom prst="rect">
             <a:avLst/>
@@ -5527,13 +6929,18 @@
           </a:extLst>
         </p:spPr>
         <p:txBody>
-          <a:bodyPr lIns="45719" rIns="45719">
+          <a:bodyPr lIns="45718" tIns="45718" rIns="45718" bIns="45718">
             <a:spAutoFit/>
           </a:bodyPr>
           <a:lstStyle/>
           <a:p>
             <a:pPr>
-              <a:defRPr b="1"/>
+              <a:defRPr b="1">
+                <a:latin typeface="Garamond"/>
+                <a:ea typeface="Garamond"/>
+                <a:cs typeface="Garamond"/>
+                <a:sym typeface="Garamond"/>
+              </a:defRPr>
             </a:pPr>
             <a:r>
               <a:t>4)Topic Modelling: </a:t>
@@ -5544,6 +6951,12 @@
               <a:buSzPct val="100000"/>
               <a:buFont typeface="Arial"/>
               <a:buChar char="•"/>
+              <a:defRPr>
+                <a:latin typeface="Garamond"/>
+                <a:ea typeface="Garamond"/>
+                <a:cs typeface="Garamond"/>
+                <a:sym typeface="Garamond"/>
+              </a:defRPr>
             </a:pPr>
             <a:r>
               <a:t> We used Latent Dirichlet Allocation (LDA) for this purpose .</a:t>
@@ -5554,6 +6967,12 @@
               <a:buSzPct val="100000"/>
               <a:buFont typeface="Arial"/>
               <a:buChar char="•"/>
+              <a:defRPr>
+                <a:latin typeface="Garamond"/>
+                <a:ea typeface="Garamond"/>
+                <a:cs typeface="Garamond"/>
+                <a:sym typeface="Garamond"/>
+              </a:defRPr>
             </a:pPr>
             <a:r>
               <a:t> LDA is used to classify text in a document to a particular topic.</a:t>
@@ -5564,6 +6983,12 @@
               <a:buSzPct val="100000"/>
               <a:buFont typeface="Arial"/>
               <a:buChar char="•"/>
+              <a:defRPr>
+                <a:latin typeface="Garamond"/>
+                <a:ea typeface="Garamond"/>
+                <a:cs typeface="Garamond"/>
+                <a:sym typeface="Garamond"/>
+              </a:defRPr>
             </a:pPr>
             <a:r>
               <a:t> It builds a topic per document model and words per topic model, modeled as Dirichlet distributions</a:t>
@@ -5580,14 +7005,26 @@
           </a:p>
           <a:p>
             <a:pPr>
-              <a:defRPr b="1"/>
+              <a:defRPr b="1">
+                <a:latin typeface="Garamond"/>
+                <a:ea typeface="Garamond"/>
+                <a:cs typeface="Garamond"/>
+                <a:sym typeface="Garamond"/>
+              </a:defRPr>
             </a:pPr>
             <a:r>
               <a:t>5) Parameters:</a:t>
             </a:r>
           </a:p>
           <a:p>
-            <a:pPr/>
+            <a:pPr>
+              <a:defRPr>
+                <a:latin typeface="Garamond"/>
+                <a:ea typeface="Garamond"/>
+                <a:cs typeface="Garamond"/>
+                <a:sym typeface="Garamond"/>
+              </a:defRPr>
+            </a:pPr>
             <a:r>
               <a:t> Parameters used to build our model include:  </a:t>
             </a:r>
@@ -5597,6 +7034,12 @@
               <a:buSzPct val="100000"/>
               <a:buFont typeface="Arial"/>
               <a:buChar char="•"/>
+              <a:defRPr>
+                <a:latin typeface="Garamond"/>
+                <a:ea typeface="Garamond"/>
+                <a:cs typeface="Garamond"/>
+                <a:sym typeface="Garamond"/>
+              </a:defRPr>
             </a:pPr>
             <a:r>
               <a:t>Number_of_topics (Number of Unique Topics in our document) </a:t>
@@ -5607,6 +7050,12 @@
               <a:buSzPct val="100000"/>
               <a:buFont typeface="Arial"/>
               <a:buChar char="•"/>
+              <a:defRPr>
+                <a:latin typeface="Garamond"/>
+                <a:ea typeface="Garamond"/>
+                <a:cs typeface="Garamond"/>
+                <a:sym typeface="Garamond"/>
+              </a:defRPr>
             </a:pPr>
             <a:r>
               <a:t>no_top_words(Number of top words used to calculate unique topics) </a:t>
@@ -5617,6 +7066,12 @@
               <a:buSzPct val="100000"/>
               <a:buFont typeface="Arial"/>
               <a:buChar char="•"/>
+              <a:defRPr>
+                <a:latin typeface="Garamond"/>
+                <a:ea typeface="Garamond"/>
+                <a:cs typeface="Garamond"/>
+                <a:sym typeface="Garamond"/>
+              </a:defRPr>
             </a:pPr>
             <a:r>
               <a:t>Random state</a:t>
@@ -5624,7 +7079,12 @@
           </a:p>
           <a:p>
             <a:pPr>
-              <a:defRPr b="1"/>
+              <a:defRPr b="1">
+                <a:latin typeface="Garamond"/>
+                <a:ea typeface="Garamond"/>
+                <a:cs typeface="Garamond"/>
+                <a:sym typeface="Garamond"/>
+              </a:defRPr>
             </a:pPr>
             <a:r>
               <a:t>6)Architecture:</a:t>
@@ -5634,7 +7094,7 @@
       </p:sp>
       <p:pic>
         <p:nvPicPr>
-          <p:cNvPr id="199" name="Picture 3" descr="Picture 3"/>
+          <p:cNvPr id="246" name="Picture 3" descr="Picture 3"/>
           <p:cNvPicPr>
             <a:picLocks noChangeAspect="1"/>
           </p:cNvPicPr>
@@ -5650,8 +7110,8 @@
         </p:blipFill>
         <p:spPr>
           <a:xfrm>
-            <a:off x="3106351" y="2961853"/>
-            <a:ext cx="6634459" cy="2938567"/>
+            <a:off x="3106351" y="2961852"/>
+            <a:ext cx="6634460" cy="2938568"/>
           </a:xfrm>
           <a:prstGeom prst="rect">
             <a:avLst/>
@@ -5663,7 +7123,7 @@
       </p:pic>
       <p:pic>
         <p:nvPicPr>
-          <p:cNvPr id="200" name="Picture 4" descr="Picture 4"/>
+          <p:cNvPr id="247" name="Picture 4" descr="Picture 4"/>
           <p:cNvPicPr>
             <a:picLocks noChangeAspect="1"/>
           </p:cNvPicPr>
@@ -5680,7 +7140,7 @@
         <p:spPr>
           <a:xfrm>
             <a:off x="765312" y="5774866"/>
-            <a:ext cx="1605426" cy="395595"/>
+            <a:ext cx="1605427" cy="395596"/>
           </a:xfrm>
           <a:prstGeom prst="rect">
             <a:avLst/>
@@ -5692,7 +7152,7 @@
       </p:pic>
       <p:pic>
         <p:nvPicPr>
-          <p:cNvPr id="201" name="Picture 5" descr="Picture 5"/>
+          <p:cNvPr id="248" name="Picture 5" descr="Picture 5"/>
           <p:cNvPicPr>
             <a:picLocks noChangeAspect="1"/>
           </p:cNvPicPr>
@@ -5709,7 +7169,7 @@
         <p:spPr>
           <a:xfrm>
             <a:off x="10069748" y="5751207"/>
-            <a:ext cx="1356937" cy="395595"/>
+            <a:ext cx="1356938" cy="395596"/>
           </a:xfrm>
           <a:prstGeom prst="rect">
             <a:avLst/>
@@ -5747,7 +7207,7 @@
       </p:grpSpPr>
       <p:pic>
         <p:nvPicPr>
-          <p:cNvPr id="203" name="Picture 1" descr="Picture 1"/>
+          <p:cNvPr id="250" name="Picture 1" descr="Picture 1"/>
           <p:cNvPicPr>
             <a:picLocks noChangeAspect="1"/>
           </p:cNvPicPr>
@@ -5764,7 +7224,7 @@
         <p:spPr>
           <a:xfrm>
             <a:off x="765312" y="5774866"/>
-            <a:ext cx="1605426" cy="395595"/>
+            <a:ext cx="1605427" cy="395596"/>
           </a:xfrm>
           <a:prstGeom prst="rect">
             <a:avLst/>
@@ -5776,7 +7236,7 @@
       </p:pic>
       <p:pic>
         <p:nvPicPr>
-          <p:cNvPr id="204" name="Picture 2" descr="Picture 2"/>
+          <p:cNvPr id="251" name="Picture 2" descr="Picture 2"/>
           <p:cNvPicPr>
             <a:picLocks noChangeAspect="1"/>
           </p:cNvPicPr>
@@ -5793,7 +7253,7 @@
         <p:spPr>
           <a:xfrm>
             <a:off x="10069748" y="5751207"/>
-            <a:ext cx="1356937" cy="395595"/>
+            <a:ext cx="1356938" cy="395596"/>
           </a:xfrm>
           <a:prstGeom prst="rect">
             <a:avLst/>
@@ -5805,7 +7265,7 @@
       </p:pic>
       <p:pic>
         <p:nvPicPr>
-          <p:cNvPr id="205" name="Picture 4" descr="Picture 4"/>
+          <p:cNvPr id="252" name="Picture 4" descr="Picture 4"/>
           <p:cNvPicPr>
             <a:picLocks noChangeAspect="1"/>
           </p:cNvPicPr>
@@ -5834,14 +7294,14 @@
       </p:pic>
       <p:sp>
         <p:nvSpPr>
-          <p:cNvPr id="206" name="TextBox 5"/>
+          <p:cNvPr id="253" name="TextBox 5"/>
           <p:cNvSpPr txBox="1"/>
           <p:nvPr/>
         </p:nvSpPr>
         <p:spPr>
           <a:xfrm>
             <a:off x="1114547" y="1135645"/>
-            <a:ext cx="2512381" cy="434341"/>
+            <a:ext cx="2512381" cy="434339"/>
           </a:xfrm>
           <a:prstGeom prst="rect">
             <a:avLst/>
@@ -5856,12 +7316,17 @@
           </a:extLst>
         </p:spPr>
         <p:txBody>
-          <a:bodyPr lIns="45719" rIns="45719">
+          <a:bodyPr lIns="45718" tIns="45718" rIns="45718" bIns="45718">
             <a:spAutoFit/>
           </a:bodyPr>
           <a:lstStyle>
             <a:lvl1pPr>
-              <a:defRPr b="1" sz="2400"/>
+              <a:defRPr b="1" sz="2400">
+                <a:latin typeface="Garamond"/>
+                <a:ea typeface="Garamond"/>
+                <a:cs typeface="Garamond"/>
+                <a:sym typeface="Garamond"/>
+              </a:defRPr>
             </a:lvl1pPr>
           </a:lstStyle>
           <a:p>
@@ -5874,7 +7339,7 @@
       </p:sp>
       <p:pic>
         <p:nvPicPr>
-          <p:cNvPr id="207" name="Picture 7" descr="Picture 7"/>
+          <p:cNvPr id="254" name="Picture 7" descr="Picture 7"/>
           <p:cNvPicPr>
             <a:picLocks noChangeAspect="1"/>
           </p:cNvPicPr>
@@ -5890,8 +7355,8 @@
         </p:blipFill>
         <p:spPr>
           <a:xfrm>
-            <a:off x="1114546" y="4101482"/>
-            <a:ext cx="4981452" cy="1673384"/>
+            <a:off x="1114546" y="4101481"/>
+            <a:ext cx="4981453" cy="1673385"/>
           </a:xfrm>
           <a:prstGeom prst="rect">
             <a:avLst/>
@@ -5903,7 +7368,7 @@
       </p:pic>
       <p:pic>
         <p:nvPicPr>
-          <p:cNvPr id="208" name="Picture 9" descr="Picture 9"/>
+          <p:cNvPr id="255" name="Picture 9" descr="Picture 9"/>
           <p:cNvPicPr>
             <a:picLocks noChangeAspect="1"/>
           </p:cNvPicPr>
@@ -5932,7 +7397,7 @@
       </p:pic>
       <p:sp>
         <p:nvSpPr>
-          <p:cNvPr id="209" name="RESULTS"/>
+          <p:cNvPr id="256" name="RESULTS"/>
           <p:cNvSpPr txBox="1"/>
           <p:nvPr>
             <p:ph type="title" idx="4294967295"/>
@@ -5940,8 +7405,8 @@
         </p:nvSpPr>
         <p:spPr>
           <a:xfrm>
-            <a:off x="609600" y="130174"/>
-            <a:ext cx="10972800" cy="1508126"/>
+            <a:off x="609600" y="130173"/>
+            <a:ext cx="10972800" cy="1508128"/>
           </a:xfrm>
           <a:prstGeom prst="rect">
             <a:avLst/>
@@ -5995,7 +7460,7 @@
       </p:grpSpPr>
       <p:pic>
         <p:nvPicPr>
-          <p:cNvPr id="211" name="Picture 1" descr="Picture 1"/>
+          <p:cNvPr id="258" name="Picture 1" descr="Picture 1"/>
           <p:cNvPicPr>
             <a:picLocks noChangeAspect="1"/>
           </p:cNvPicPr>
@@ -6012,7 +7477,7 @@
         <p:spPr>
           <a:xfrm>
             <a:off x="765312" y="5774866"/>
-            <a:ext cx="1605426" cy="395595"/>
+            <a:ext cx="1605427" cy="395596"/>
           </a:xfrm>
           <a:prstGeom prst="rect">
             <a:avLst/>
@@ -6024,7 +7489,7 @@
       </p:pic>
       <p:pic>
         <p:nvPicPr>
-          <p:cNvPr id="212" name="Picture 2" descr="Picture 2"/>
+          <p:cNvPr id="259" name="Picture 2" descr="Picture 2"/>
           <p:cNvPicPr>
             <a:picLocks noChangeAspect="1"/>
           </p:cNvPicPr>
@@ -6041,7 +7506,7 @@
         <p:spPr>
           <a:xfrm>
             <a:off x="10069748" y="5751207"/>
-            <a:ext cx="1356937" cy="395595"/>
+            <a:ext cx="1356938" cy="395596"/>
           </a:xfrm>
           <a:prstGeom prst="rect">
             <a:avLst/>
@@ -6053,7 +7518,7 @@
       </p:pic>
       <p:pic>
         <p:nvPicPr>
-          <p:cNvPr id="213" name="Picture 4" descr="Picture 4"/>
+          <p:cNvPr id="260" name="Picture 4" descr="Picture 4"/>
           <p:cNvPicPr>
             <a:picLocks noChangeAspect="1"/>
           </p:cNvPicPr>
@@ -6070,7 +7535,7 @@
         <p:spPr>
           <a:xfrm>
             <a:off x="765312" y="782576"/>
-            <a:ext cx="5330688" cy="1694296"/>
+            <a:ext cx="5330689" cy="1694297"/>
           </a:xfrm>
           <a:prstGeom prst="rect">
             <a:avLst/>
@@ -6082,7 +7547,7 @@
       </p:pic>
       <p:pic>
         <p:nvPicPr>
-          <p:cNvPr id="214" name="Picture 6" descr="Picture 6"/>
+          <p:cNvPr id="261" name="Picture 6" descr="Picture 6"/>
           <p:cNvPicPr>
             <a:picLocks noChangeAspect="1"/>
           </p:cNvPicPr>
@@ -6099,7 +7564,7 @@
         <p:spPr>
           <a:xfrm>
             <a:off x="6096000" y="711200"/>
-            <a:ext cx="5449178" cy="1765673"/>
+            <a:ext cx="5449178" cy="1765674"/>
           </a:xfrm>
           <a:prstGeom prst="rect">
             <a:avLst/>
@@ -6111,14 +7576,14 @@
       </p:pic>
       <p:sp>
         <p:nvSpPr>
-          <p:cNvPr id="215" name="TextBox 7"/>
+          <p:cNvPr id="262" name="TextBox 7"/>
           <p:cNvSpPr txBox="1"/>
           <p:nvPr/>
         </p:nvSpPr>
         <p:spPr>
           <a:xfrm>
-            <a:off x="765312" y="2605440"/>
-            <a:ext cx="7464288" cy="434341"/>
+            <a:off x="765312" y="2605439"/>
+            <a:ext cx="7464288" cy="434339"/>
           </a:xfrm>
           <a:prstGeom prst="rect">
             <a:avLst/>
@@ -6133,12 +7598,17 @@
           </a:extLst>
         </p:spPr>
         <p:txBody>
-          <a:bodyPr lIns="45719" rIns="45719">
+          <a:bodyPr lIns="45718" tIns="45718" rIns="45718" bIns="45718">
             <a:spAutoFit/>
           </a:bodyPr>
           <a:lstStyle>
             <a:lvl1pPr>
-              <a:defRPr b="1" sz="2400"/>
+              <a:defRPr b="1" sz="2400">
+                <a:latin typeface="Garamond"/>
+                <a:ea typeface="Garamond"/>
+                <a:cs typeface="Garamond"/>
+                <a:sym typeface="Garamond"/>
+              </a:defRPr>
             </a:lvl1pPr>
           </a:lstStyle>
           <a:p>
@@ -6151,7 +7621,7 @@
       </p:sp>
       <p:pic>
         <p:nvPicPr>
-          <p:cNvPr id="216" name="Picture 13" descr="Picture 13"/>
+          <p:cNvPr id="263" name="Picture 13" descr="Picture 13"/>
           <p:cNvPicPr>
             <a:picLocks noChangeAspect="1"/>
           </p:cNvPicPr>
@@ -6167,8 +7637,8 @@
         </p:blipFill>
         <p:spPr>
           <a:xfrm>
-            <a:off x="905521" y="3195676"/>
-            <a:ext cx="5362114" cy="2361747"/>
+            <a:off x="905520" y="3195676"/>
+            <a:ext cx="5362116" cy="2361747"/>
           </a:xfrm>
           <a:prstGeom prst="rect">
             <a:avLst/>
@@ -6180,7 +7650,7 @@
       </p:pic>
       <p:pic>
         <p:nvPicPr>
-          <p:cNvPr id="217" name="Picture 17" descr="Picture 17"/>
+          <p:cNvPr id="264" name="Picture 17" descr="Picture 17"/>
           <p:cNvPicPr>
             <a:picLocks noChangeAspect="1"/>
           </p:cNvPicPr>
@@ -6197,7 +7667,7 @@
         <p:spPr>
           <a:xfrm>
             <a:off x="6094288" y="3195675"/>
-            <a:ext cx="5450891" cy="2237460"/>
+            <a:ext cx="5450892" cy="2237461"/>
           </a:xfrm>
           <a:prstGeom prst="rect">
             <a:avLst/>
@@ -6235,7 +7705,7 @@
       </p:grpSpPr>
       <p:sp>
         <p:nvSpPr>
-          <p:cNvPr id="219" name="Title 1"/>
+          <p:cNvPr id="266" name="Title 1"/>
           <p:cNvSpPr txBox="1"/>
           <p:nvPr>
             <p:ph type="title"/>
@@ -6244,7 +7714,7 @@
         <p:spPr>
           <a:xfrm>
             <a:off x="1295401" y="982132"/>
-            <a:ext cx="9601198" cy="1303868"/>
+            <a:ext cx="9601198" cy="1303869"/>
           </a:xfrm>
           <a:prstGeom prst="rect">
             <a:avLst/>
@@ -6267,7 +7737,7 @@
       </p:sp>
       <p:sp>
         <p:nvSpPr>
-          <p:cNvPr id="220" name="Content Placeholder 2"/>
+          <p:cNvPr id="267" name="Content Placeholder 2"/>
           <p:cNvSpPr txBox="1"/>
           <p:nvPr>
             <p:ph type="body" sz="half" idx="1"/>
@@ -6275,8 +7745,8 @@
         </p:nvSpPr>
         <p:spPr>
           <a:xfrm>
-            <a:off x="1160316" y="2556932"/>
-            <a:ext cx="9601197" cy="3318938"/>
+            <a:off x="1160316" y="2556931"/>
+            <a:ext cx="9601197" cy="3318939"/>
           </a:xfrm>
           <a:prstGeom prst="rect">
             <a:avLst/>
@@ -6375,7 +7845,7 @@
       </p:sp>
       <p:pic>
         <p:nvPicPr>
-          <p:cNvPr id="221" name="Picture 5" descr="Picture 5"/>
+          <p:cNvPr id="268" name="Picture 5" descr="Picture 5"/>
           <p:cNvPicPr>
             <a:picLocks noChangeAspect="1"/>
           </p:cNvPicPr>
@@ -6392,7 +7862,7 @@
         <p:spPr>
           <a:xfrm>
             <a:off x="765312" y="5774866"/>
-            <a:ext cx="1605426" cy="395595"/>
+            <a:ext cx="1605427" cy="395596"/>
           </a:xfrm>
           <a:prstGeom prst="rect">
             <a:avLst/>
@@ -6404,7 +7874,7 @@
       </p:pic>
       <p:pic>
         <p:nvPicPr>
-          <p:cNvPr id="222" name="Picture 6" descr="Picture 6"/>
+          <p:cNvPr id="269" name="Picture 6" descr="Picture 6"/>
           <p:cNvPicPr>
             <a:picLocks noChangeAspect="1"/>
           </p:cNvPicPr>
@@ -6421,7 +7891,7 @@
         <p:spPr>
           <a:xfrm>
             <a:off x="10069748" y="5751207"/>
-            <a:ext cx="1356937" cy="395595"/>
+            <a:ext cx="1356938" cy="395596"/>
           </a:xfrm>
           <a:prstGeom prst="rect">
             <a:avLst/>
@@ -6459,7 +7929,7 @@
       </p:grpSpPr>
       <p:sp>
         <p:nvSpPr>
-          <p:cNvPr id="224" name="Title 1"/>
+          <p:cNvPr id="271" name="Title 1"/>
           <p:cNvSpPr txBox="1"/>
           <p:nvPr>
             <p:ph type="title"/>
@@ -6468,7 +7938,7 @@
         <p:spPr>
           <a:xfrm>
             <a:off x="1295401" y="982132"/>
-            <a:ext cx="9601198" cy="1303868"/>
+            <a:ext cx="9601198" cy="1303869"/>
           </a:xfrm>
           <a:prstGeom prst="rect">
             <a:avLst/>
@@ -6491,7 +7961,7 @@
       </p:sp>
       <p:sp>
         <p:nvSpPr>
-          <p:cNvPr id="225" name="Content Placeholder 2"/>
+          <p:cNvPr id="272" name="Content Placeholder 2"/>
           <p:cNvSpPr txBox="1"/>
           <p:nvPr>
             <p:ph type="body" sz="half" idx="1"/>
@@ -6525,11 +7995,11 @@
             <a:r>
               <a:rPr u="sng">
                 <a:solidFill>
-                  <a:srgbClr val="A8BF4D"/>
+                  <a:srgbClr val="0000FF"/>
                 </a:solidFill>
                 <a:uFill>
                   <a:solidFill>
-                    <a:srgbClr val="A8BF4D"/>
+                    <a:srgbClr val="0000FF"/>
                   </a:solidFill>
                 </a:uFill>
                 <a:hlinkClick r:id="rId2" invalidUrl="" action="" tgtFrame="" tooltip="" history="1" highlightClick="0" endSnd="0"/>
@@ -6556,11 +8026,11 @@
             <a:r>
               <a:rPr u="sng">
                 <a:solidFill>
-                  <a:srgbClr val="A8BF4D"/>
+                  <a:srgbClr val="0000FF"/>
                 </a:solidFill>
                 <a:uFill>
                   <a:solidFill>
-                    <a:srgbClr val="A8BF4D"/>
+                    <a:srgbClr val="0000FF"/>
                   </a:solidFill>
                 </a:uFill>
                 <a:hlinkClick r:id="rId3" invalidUrl="" action="" tgtFrame="" tooltip="" history="1" highlightClick="0" endSnd="0"/>
@@ -6584,11 +8054,11 @@
             <a:r>
               <a:rPr u="sng">
                 <a:solidFill>
-                  <a:srgbClr val="A8BF4D"/>
+                  <a:srgbClr val="0000FF"/>
                 </a:solidFill>
                 <a:uFill>
                   <a:solidFill>
-                    <a:srgbClr val="A8BF4D"/>
+                    <a:srgbClr val="0000FF"/>
                   </a:solidFill>
                 </a:uFill>
                 <a:hlinkClick r:id="rId4" invalidUrl="" action="" tgtFrame="" tooltip="" history="1" highlightClick="0" endSnd="0"/>
@@ -6615,11 +8085,11 @@
             <a:r>
               <a:rPr u="sng">
                 <a:solidFill>
-                  <a:srgbClr val="A8BF4D"/>
+                  <a:srgbClr val="0000FF"/>
                 </a:solidFill>
                 <a:uFill>
                   <a:solidFill>
-                    <a:srgbClr val="A8BF4D"/>
+                    <a:srgbClr val="0000FF"/>
                   </a:solidFill>
                 </a:uFill>
                 <a:hlinkClick r:id="rId5" invalidUrl="" action="" tgtFrame="" tooltip="" history="1" highlightClick="0" endSnd="0"/>
@@ -6643,11 +8113,11 @@
             <a:r>
               <a:rPr u="sng">
                 <a:solidFill>
-                  <a:srgbClr val="A8BF4D"/>
+                  <a:srgbClr val="0000FF"/>
                 </a:solidFill>
                 <a:uFill>
                   <a:solidFill>
-                    <a:srgbClr val="A8BF4D"/>
+                    <a:srgbClr val="0000FF"/>
                   </a:solidFill>
                 </a:uFill>
                 <a:hlinkClick r:id="rId6" invalidUrl="" action="" tgtFrame="" tooltip="" history="1" highlightClick="0" endSnd="0"/>
@@ -6671,11 +8141,11 @@
             <a:r>
               <a:rPr u="sng">
                 <a:solidFill>
-                  <a:srgbClr val="A8BF4D"/>
+                  <a:srgbClr val="0000FF"/>
                 </a:solidFill>
                 <a:uFill>
                   <a:solidFill>
-                    <a:srgbClr val="A8BF4D"/>
+                    <a:srgbClr val="0000FF"/>
                   </a:solidFill>
                 </a:uFill>
                 <a:hlinkClick r:id="rId7" invalidUrl="" action="" tgtFrame="" tooltip="" history="1" highlightClick="0" endSnd="0"/>
@@ -6698,11 +8168,11 @@
             <a:r>
               <a:rPr u="sng">
                 <a:solidFill>
-                  <a:srgbClr val="A8BF4D"/>
+                  <a:srgbClr val="0000FF"/>
                 </a:solidFill>
                 <a:uFill>
                   <a:solidFill>
-                    <a:srgbClr val="A8BF4D"/>
+                    <a:srgbClr val="0000FF"/>
                   </a:solidFill>
                 </a:uFill>
                 <a:hlinkClick r:id="rId8" invalidUrl="" action="" tgtFrame="" tooltip="" history="1" highlightClick="0" endSnd="0"/>
@@ -6712,11 +8182,11 @@
             <a:r>
               <a:rPr u="sng">
                 <a:solidFill>
-                  <a:srgbClr val="A8BF4D"/>
+                  <a:srgbClr val="0000FF"/>
                 </a:solidFill>
                 <a:uFill>
                   <a:solidFill>
-                    <a:srgbClr val="A8BF4D"/>
+                    <a:srgbClr val="0000FF"/>
                   </a:solidFill>
                 </a:uFill>
                 <a:hlinkClick r:id="rId8" invalidUrl="" action="" tgtFrame="" tooltip="" history="1" highlightClick="0" endSnd="0"/>
@@ -6726,11 +8196,11 @@
             <a:r>
               <a:rPr u="sng">
                 <a:solidFill>
-                  <a:srgbClr val="A8BF4D"/>
+                  <a:srgbClr val="0000FF"/>
                 </a:solidFill>
                 <a:uFill>
                   <a:solidFill>
-                    <a:srgbClr val="A8BF4D"/>
+                    <a:srgbClr val="0000FF"/>
                   </a:solidFill>
                 </a:uFill>
                 <a:hlinkClick r:id="rId8" invalidUrl="" action="" tgtFrame="" tooltip="" history="1" highlightClick="0" endSnd="0"/>
@@ -6749,7 +8219,7 @@
       </p:sp>
       <p:pic>
         <p:nvPicPr>
-          <p:cNvPr id="226" name="Picture 5" descr="Picture 5"/>
+          <p:cNvPr id="273" name="Picture 5" descr="Picture 5"/>
           <p:cNvPicPr>
             <a:picLocks noChangeAspect="1"/>
           </p:cNvPicPr>
@@ -6766,7 +8236,7 @@
         <p:spPr>
           <a:xfrm>
             <a:off x="765312" y="5774866"/>
-            <a:ext cx="1605426" cy="395595"/>
+            <a:ext cx="1605427" cy="395596"/>
           </a:xfrm>
           <a:prstGeom prst="rect">
             <a:avLst/>
@@ -6778,7 +8248,7 @@
       </p:pic>
       <p:pic>
         <p:nvPicPr>
-          <p:cNvPr id="227" name="Picture 6" descr="Picture 6"/>
+          <p:cNvPr id="274" name="Picture 6" descr="Picture 6"/>
           <p:cNvPicPr>
             <a:picLocks noChangeAspect="1"/>
           </p:cNvPicPr>
@@ -6795,7 +8265,7 @@
         <p:spPr>
           <a:xfrm>
             <a:off x="10069748" y="5751207"/>
-            <a:ext cx="1356937" cy="395595"/>
+            <a:ext cx="1356938" cy="395596"/>
           </a:xfrm>
           <a:prstGeom prst="rect">
             <a:avLst/>
@@ -6857,14 +8327,14 @@
     </a:clrScheme>
     <a:fontScheme name="Organic">
       <a:majorFont>
+        <a:latin typeface="Helvetica"/>
+        <a:ea typeface="Helvetica"/>
+        <a:cs typeface="Helvetica"/>
+      </a:majorFont>
+      <a:minorFont>
         <a:latin typeface="Calibri"/>
         <a:ea typeface="Calibri"/>
         <a:cs typeface="Calibri"/>
-      </a:majorFont>
-      <a:minorFont>
-        <a:latin typeface="Helvetica"/>
-        <a:ea typeface="Helvetica"/>
-        <a:cs typeface="Helvetica"/>
       </a:minorFont>
     </a:fontScheme>
     <a:fmtScheme name="Organic">
@@ -7007,7 +8477,7 @@
         <a:solidFill>
           <a:srgbClr val="FFFFFF"/>
         </a:solidFill>
-        <a:ln w="15875" cap="flat">
+        <a:ln w="25400" cap="flat">
           <a:solidFill>
             <a:schemeClr val="accent1"/>
           </a:solidFill>
@@ -7017,7 +8487,7 @@
         <a:effectLst/>
         <a:sp3d/>
       </a:spPr>
-      <a:bodyPr rot="0" spcFirstLastPara="1" vertOverflow="overflow" horzOverflow="overflow" vert="horz" wrap="square" lIns="45719" tIns="45719" rIns="45719" bIns="45719" numCol="1" spcCol="38100" rtlCol="0" anchor="ctr" upright="0">
+      <a:bodyPr rot="0" spcFirstLastPara="1" vertOverflow="overflow" horzOverflow="overflow" vert="horz" wrap="square" lIns="45718" tIns="45718" rIns="45718" bIns="45718" numCol="1" spcCol="38100" rtlCol="0" anchor="ctr" upright="0">
         <a:spAutoFit/>
       </a:bodyPr>
       <a:lstStyle>
@@ -7045,10 +8515,10 @@
             </a:solidFill>
             <a:effectLst/>
             <a:uFillTx/>
-            <a:latin typeface="Garamond"/>
-            <a:ea typeface="Garamond"/>
-            <a:cs typeface="Garamond"/>
-            <a:sym typeface="Garamond"/>
+            <a:latin typeface="+mj-lt"/>
+            <a:ea typeface="+mj-ea"/>
+            <a:cs typeface="+mj-cs"/>
+            <a:sym typeface="Helvetica"/>
           </a:defRPr>
         </a:defPPr>
         <a:lvl1pPr marL="0" marR="0" indent="0" algn="l" defTabSz="914400" rtl="0" fontAlgn="auto" latinLnBrk="1" hangingPunct="0">
@@ -7296,7 +8766,7 @@
     <a:lnDef>
       <a:spPr>
         <a:noFill/>
-        <a:ln w="15875" cap="flat">
+        <a:ln w="25400" cap="flat">
           <a:solidFill>
             <a:schemeClr val="accent1"/>
           </a:solidFill>
@@ -7588,7 +9058,7 @@
         <a:effectLst/>
         <a:sp3d/>
       </a:spPr>
-      <a:bodyPr rot="0" spcFirstLastPara="1" vertOverflow="overflow" horzOverflow="overflow" vert="horz" wrap="square" lIns="45719" tIns="45719" rIns="45719" bIns="45719" numCol="1" spcCol="38100" rtlCol="0" anchor="t" upright="0">
+      <a:bodyPr rot="0" spcFirstLastPara="1" vertOverflow="overflow" horzOverflow="overflow" vert="horz" wrap="square" lIns="45718" tIns="45718" rIns="45718" bIns="45718" numCol="1" spcCol="38100" rtlCol="0" anchor="t" upright="0">
         <a:spAutoFit/>
       </a:bodyPr>
       <a:lstStyle>
@@ -7616,10 +9086,10 @@
             </a:solidFill>
             <a:effectLst/>
             <a:uFillTx/>
-            <a:latin typeface="Garamond"/>
-            <a:ea typeface="Garamond"/>
-            <a:cs typeface="Garamond"/>
-            <a:sym typeface="Garamond"/>
+            <a:latin typeface="+mj-lt"/>
+            <a:ea typeface="+mj-ea"/>
+            <a:cs typeface="+mj-cs"/>
+            <a:sym typeface="Helvetica"/>
           </a:defRPr>
         </a:defPPr>
         <a:lvl1pPr marL="0" marR="0" indent="0" algn="l" defTabSz="914400" rtl="0" fontAlgn="auto" latinLnBrk="1" hangingPunct="0">
@@ -7911,14 +9381,14 @@
     </a:clrScheme>
     <a:fontScheme name="Organic">
       <a:majorFont>
+        <a:latin typeface="Helvetica"/>
+        <a:ea typeface="Helvetica"/>
+        <a:cs typeface="Helvetica"/>
+      </a:majorFont>
+      <a:minorFont>
         <a:latin typeface="Calibri"/>
         <a:ea typeface="Calibri"/>
         <a:cs typeface="Calibri"/>
-      </a:majorFont>
-      <a:minorFont>
-        <a:latin typeface="Helvetica"/>
-        <a:ea typeface="Helvetica"/>
-        <a:cs typeface="Helvetica"/>
       </a:minorFont>
     </a:fontScheme>
     <a:fmtScheme name="Organic">
@@ -8061,7 +9531,7 @@
         <a:solidFill>
           <a:srgbClr val="FFFFFF"/>
         </a:solidFill>
-        <a:ln w="15875" cap="flat">
+        <a:ln w="25400" cap="flat">
           <a:solidFill>
             <a:schemeClr val="accent1"/>
           </a:solidFill>
@@ -8071,7 +9541,7 @@
         <a:effectLst/>
         <a:sp3d/>
       </a:spPr>
-      <a:bodyPr rot="0" spcFirstLastPara="1" vertOverflow="overflow" horzOverflow="overflow" vert="horz" wrap="square" lIns="45719" tIns="45719" rIns="45719" bIns="45719" numCol="1" spcCol="38100" rtlCol="0" anchor="ctr" upright="0">
+      <a:bodyPr rot="0" spcFirstLastPara="1" vertOverflow="overflow" horzOverflow="overflow" vert="horz" wrap="square" lIns="45718" tIns="45718" rIns="45718" bIns="45718" numCol="1" spcCol="38100" rtlCol="0" anchor="ctr" upright="0">
         <a:spAutoFit/>
       </a:bodyPr>
       <a:lstStyle>
@@ -8099,10 +9569,10 @@
             </a:solidFill>
             <a:effectLst/>
             <a:uFillTx/>
-            <a:latin typeface="Garamond"/>
-            <a:ea typeface="Garamond"/>
-            <a:cs typeface="Garamond"/>
-            <a:sym typeface="Garamond"/>
+            <a:latin typeface="+mj-lt"/>
+            <a:ea typeface="+mj-ea"/>
+            <a:cs typeface="+mj-cs"/>
+            <a:sym typeface="Helvetica"/>
           </a:defRPr>
         </a:defPPr>
         <a:lvl1pPr marL="0" marR="0" indent="0" algn="l" defTabSz="914400" rtl="0" fontAlgn="auto" latinLnBrk="1" hangingPunct="0">
@@ -8350,7 +9820,7 @@
     <a:lnDef>
       <a:spPr>
         <a:noFill/>
-        <a:ln w="15875" cap="flat">
+        <a:ln w="25400" cap="flat">
           <a:solidFill>
             <a:schemeClr val="accent1"/>
           </a:solidFill>
@@ -8642,7 +10112,7 @@
         <a:effectLst/>
         <a:sp3d/>
       </a:spPr>
-      <a:bodyPr rot="0" spcFirstLastPara="1" vertOverflow="overflow" horzOverflow="overflow" vert="horz" wrap="square" lIns="45719" tIns="45719" rIns="45719" bIns="45719" numCol="1" spcCol="38100" rtlCol="0" anchor="t" upright="0">
+      <a:bodyPr rot="0" spcFirstLastPara="1" vertOverflow="overflow" horzOverflow="overflow" vert="horz" wrap="square" lIns="45718" tIns="45718" rIns="45718" bIns="45718" numCol="1" spcCol="38100" rtlCol="0" anchor="t" upright="0">
         <a:spAutoFit/>
       </a:bodyPr>
       <a:lstStyle>
@@ -8670,10 +10140,10 @@
             </a:solidFill>
             <a:effectLst/>
             <a:uFillTx/>
-            <a:latin typeface="Garamond"/>
-            <a:ea typeface="Garamond"/>
-            <a:cs typeface="Garamond"/>
-            <a:sym typeface="Garamond"/>
+            <a:latin typeface="+mj-lt"/>
+            <a:ea typeface="+mj-ea"/>
+            <a:cs typeface="+mj-cs"/>
+            <a:sym typeface="Helvetica"/>
           </a:defRPr>
         </a:defPPr>
         <a:lvl1pPr marL="0" marR="0" indent="0" algn="l" defTabSz="914400" rtl="0" fontAlgn="auto" latinLnBrk="1" hangingPunct="0">
